--- a/figure5/ppt/figure5-roi.pptx
+++ b/figure5/ppt/figure5-roi.pptx
@@ -3613,137 +3613,622 @@
           <a:chExt cx="0" cy="0"/>
         </a:xfrm>
       </p:grpSpPr>
-      <p:pic>
-        <p:nvPicPr>
-          <p:cNvPr id="2050" name="图片 4"/>
-          <p:cNvPicPr>
-            <a:picLocks noChangeAspect="1"/>
-          </p:cNvPicPr>
-          <p:nvPr/>
-        </p:nvPicPr>
-        <p:blipFill>
-          <a:blip r:embed="rId2">
-            <a:extLst>
-              <a:ext uri="{28A0092B-C50C-407E-A947-70E740481C1C}">
-                <a14:useLocalDpi xmlns:a14="http://schemas.microsoft.com/office/drawing/2010/main" val="0"/>
-              </a:ext>
-            </a:extLst>
-          </a:blip>
-          <a:srcRect l="26411" t="29874" r="34979" b="36784"/>
-          <a:stretch>
-            <a:fillRect/>
-          </a:stretch>
-        </p:blipFill>
-        <p:spPr bwMode="auto">
-          <a:xfrm>
-            <a:off x="10240120" y="990481"/>
-            <a:ext cx="20159663" cy="10880725"/>
-          </a:xfrm>
-          <a:prstGeom prst="rect">
-            <a:avLst/>
-          </a:prstGeom>
-          <a:noFill/>
-          <a:ln>
-            <a:noFill/>
-          </a:ln>
-          <a:extLst>
-            <a:ext uri="{909E8E84-426E-40DD-AFC4-6F175D3DCCD1}">
-              <a14:hiddenFill xmlns:a14="http://schemas.microsoft.com/office/drawing/2010/main">
-                <a:solidFill>
-                  <a:srgbClr val="FFFFFF"/>
-                </a:solidFill>
-              </a14:hiddenFill>
-            </a:ext>
-            <a:ext uri="{91240B29-F687-4F45-9708-019B960494DF}">
-              <a14:hiddenLine xmlns:a14="http://schemas.microsoft.com/office/drawing/2010/main" w="9525">
-                <a:solidFill>
-                  <a:srgbClr val="000000"/>
-                </a:solidFill>
-                <a:miter lim="800000"/>
-                <a:headEnd/>
-                <a:tailEnd/>
-              </a14:hiddenLine>
-            </a:ext>
-          </a:extLst>
-        </p:spPr>
-      </p:pic>
-      <p:pic>
-        <p:nvPicPr>
-          <p:cNvPr id="2051" name="图片 3"/>
-          <p:cNvPicPr>
-            <a:picLocks noChangeAspect="1"/>
-          </p:cNvPicPr>
-          <p:nvPr/>
-        </p:nvPicPr>
-        <p:blipFill>
-          <a:blip r:embed="rId3">
-            <a:extLst>
-              <a:ext uri="{28A0092B-C50C-407E-A947-70E740481C1C}">
-                <a14:useLocalDpi xmlns:a14="http://schemas.microsoft.com/office/drawing/2010/main" val="0"/>
-              </a:ext>
-            </a:extLst>
-          </a:blip>
-          <a:srcRect l="22729" t="26482" r="23119" b="26205"/>
-          <a:stretch>
-            <a:fillRect/>
-          </a:stretch>
-        </p:blipFill>
-        <p:spPr bwMode="auto">
-          <a:xfrm>
-            <a:off x="-9966325" y="12106275"/>
-            <a:ext cx="20159663" cy="11009313"/>
-          </a:xfrm>
-          <a:prstGeom prst="rect">
-            <a:avLst/>
-          </a:prstGeom>
-          <a:noFill/>
-          <a:ln>
-            <a:noFill/>
-          </a:ln>
-          <a:extLst>
-            <a:ext uri="{909E8E84-426E-40DD-AFC4-6F175D3DCCD1}">
-              <a14:hiddenFill xmlns:a14="http://schemas.microsoft.com/office/drawing/2010/main">
-                <a:solidFill>
-                  <a:srgbClr val="FFFFFF"/>
-                </a:solidFill>
-              </a14:hiddenFill>
-            </a:ext>
-            <a:ext uri="{91240B29-F687-4F45-9708-019B960494DF}">
-              <a14:hiddenLine xmlns:a14="http://schemas.microsoft.com/office/drawing/2010/main" w="9525">
-                <a:solidFill>
-                  <a:srgbClr val="000000"/>
-                </a:solidFill>
-                <a:miter lim="800000"/>
-                <a:headEnd/>
-                <a:tailEnd/>
-              </a14:hiddenLine>
-            </a:ext>
-          </a:extLst>
-        </p:spPr>
-      </p:pic>
       <p:grpSp>
         <p:nvGrpSpPr>
-          <p:cNvPr id="5" name="组合 4"/>
+          <p:cNvPr id="24" name="组合 23"/>
           <p:cNvGrpSpPr/>
           <p:nvPr/>
         </p:nvGrpSpPr>
         <p:grpSpPr>
           <a:xfrm>
-            <a:off x="-6615794" y="841372"/>
-            <a:ext cx="5629275" cy="5278438"/>
-            <a:chOff x="-10012363" y="-4203700"/>
-            <a:chExt cx="5629275" cy="5278438"/>
+            <a:off x="9900592" y="-10529192"/>
+            <a:ext cx="18626328" cy="11824086"/>
+            <a:chOff x="9900592" y="-10529192"/>
+            <a:chExt cx="18626328" cy="11824086"/>
           </a:xfrm>
         </p:grpSpPr>
         <p:pic>
           <p:nvPicPr>
-            <p:cNvPr id="2052" name="Picture 17" descr="Screenshot from 2014-09-01 20:23:00.png"/>
+            <p:cNvPr id="2050" name="图片 4"/>
             <p:cNvPicPr>
-              <a:picLocks noChangeAspect="1" noChangeArrowheads="1"/>
+              <a:picLocks noChangeAspect="1"/>
             </p:cNvPicPr>
             <p:nvPr/>
           </p:nvPicPr>
           <p:blipFill>
+            <a:blip r:embed="rId2">
+              <a:extLst>
+                <a:ext uri="{28A0092B-C50C-407E-A947-70E740481C1C}">
+                  <a14:useLocalDpi xmlns:a14="http://schemas.microsoft.com/office/drawing/2010/main" val="0"/>
+                </a:ext>
+              </a:extLst>
+            </a:blip>
+            <a:srcRect l="26411" t="29874" r="34979" b="36784"/>
+            <a:stretch>
+              <a:fillRect/>
+            </a:stretch>
+          </p:blipFill>
+          <p:spPr bwMode="auto">
+            <a:xfrm>
+              <a:off x="9900592" y="-10529192"/>
+              <a:ext cx="18626328" cy="10053142"/>
+            </a:xfrm>
+            <a:prstGeom prst="rect">
+              <a:avLst/>
+            </a:prstGeom>
+            <a:noFill/>
+            <a:ln>
+              <a:noFill/>
+            </a:ln>
+            <a:extLst>
+              <a:ext uri="{909E8E84-426E-40DD-AFC4-6F175D3DCCD1}">
+                <a14:hiddenFill xmlns:a14="http://schemas.microsoft.com/office/drawing/2010/main">
+                  <a:solidFill>
+                    <a:srgbClr val="FFFFFF"/>
+                  </a:solidFill>
+                </a14:hiddenFill>
+              </a:ext>
+              <a:ext uri="{91240B29-F687-4F45-9708-019B960494DF}">
+                <a14:hiddenLine xmlns:a14="http://schemas.microsoft.com/office/drawing/2010/main" w="9525">
+                  <a:solidFill>
+                    <a:srgbClr val="000000"/>
+                  </a:solidFill>
+                  <a:miter lim="800000"/>
+                  <a:headEnd/>
+                  <a:tailEnd/>
+                </a14:hiddenLine>
+              </a:ext>
+            </a:extLst>
+          </p:spPr>
+        </p:pic>
+        <p:sp>
+          <p:nvSpPr>
+            <p:cNvPr id="23" name="矩形 22"/>
+            <p:cNvSpPr/>
+            <p:nvPr/>
+          </p:nvSpPr>
+          <p:spPr bwMode="auto">
+            <a:xfrm>
+              <a:off x="20053720" y="-8808838"/>
+              <a:ext cx="2243138" cy="2444750"/>
+            </a:xfrm>
+            <a:prstGeom prst="rect">
+              <a:avLst/>
+            </a:prstGeom>
+            <a:noFill/>
+            <a:ln w="76200">
+              <a:solidFill>
+                <a:schemeClr val="bg1"/>
+              </a:solidFill>
+              <a:prstDash val="sysDash"/>
+            </a:ln>
+          </p:spPr>
+          <p:style>
+            <a:lnRef idx="2">
+              <a:schemeClr val="accent1">
+                <a:shade val="50000"/>
+              </a:schemeClr>
+            </a:lnRef>
+            <a:fillRef idx="1">
+              <a:schemeClr val="accent1"/>
+            </a:fillRef>
+            <a:effectRef idx="0">
+              <a:schemeClr val="accent1"/>
+            </a:effectRef>
+            <a:fontRef idx="minor">
+              <a:schemeClr val="lt1"/>
+            </a:fontRef>
+          </p:style>
+          <p:txBody>
+            <a:bodyPr anchor="ctr"/>
+            <a:lstStyle/>
+            <a:p>
+              <a:pPr algn="ctr">
+                <a:defRPr/>
+              </a:pPr>
+              <a:endParaRPr lang="zh-CN" altLang="en-US">
+                <a:solidFill>
+                  <a:schemeClr val="bg1"/>
+                </a:solidFill>
+              </a:endParaRPr>
+            </a:p>
+          </p:txBody>
+        </p:sp>
+        <p:sp>
+          <p:nvSpPr>
+            <p:cNvPr id="35" name="TextBox 72"/>
+            <p:cNvSpPr txBox="1">
+              <a:spLocks noChangeArrowheads="1"/>
+            </p:cNvSpPr>
+            <p:nvPr/>
+          </p:nvSpPr>
+          <p:spPr bwMode="auto">
+            <a:xfrm>
+              <a:off x="16280554" y="-459432"/>
+              <a:ext cx="5866405" cy="1754326"/>
+            </a:xfrm>
+            <a:prstGeom prst="rect">
+              <a:avLst/>
+            </a:prstGeom>
+            <a:noFill/>
+            <a:ln>
+              <a:noFill/>
+            </a:ln>
+            <a:extLst>
+              <a:ext uri="{909E8E84-426E-40DD-AFC4-6F175D3DCCD1}">
+                <a14:hiddenFill xmlns:a14="http://schemas.microsoft.com/office/drawing/2010/main">
+                  <a:solidFill>
+                    <a:srgbClr val="FFFFFF"/>
+                  </a:solidFill>
+                </a14:hiddenFill>
+              </a:ext>
+              <a:ext uri="{91240B29-F687-4F45-9708-019B960494DF}">
+                <a14:hiddenLine xmlns:a14="http://schemas.microsoft.com/office/drawing/2010/main" w="9525">
+                  <a:solidFill>
+                    <a:srgbClr val="000000"/>
+                  </a:solidFill>
+                  <a:miter lim="800000"/>
+                  <a:headEnd/>
+                  <a:tailEnd/>
+                </a14:hiddenLine>
+              </a:ext>
+            </a:extLst>
+          </p:spPr>
+          <p:txBody>
+            <a:bodyPr wrap="square">
+              <a:spAutoFit/>
+            </a:bodyPr>
+            <a:lstStyle>
+              <a:lvl1pPr eaLnBrk="0" hangingPunct="0">
+                <a:defRPr>
+                  <a:solidFill>
+                    <a:schemeClr val="tx1"/>
+                  </a:solidFill>
+                  <a:latin typeface="Arial" charset="0"/>
+                  <a:ea typeface="宋体" pitchFamily="2" charset="-122"/>
+                </a:defRPr>
+              </a:lvl1pPr>
+              <a:lvl2pPr marL="742950" indent="-285750" eaLnBrk="0" hangingPunct="0">
+                <a:defRPr>
+                  <a:solidFill>
+                    <a:schemeClr val="tx1"/>
+                  </a:solidFill>
+                  <a:latin typeface="Arial" charset="0"/>
+                  <a:ea typeface="宋体" pitchFamily="2" charset="-122"/>
+                </a:defRPr>
+              </a:lvl2pPr>
+              <a:lvl3pPr marL="1143000" indent="-228600" eaLnBrk="0" hangingPunct="0">
+                <a:defRPr>
+                  <a:solidFill>
+                    <a:schemeClr val="tx1"/>
+                  </a:solidFill>
+                  <a:latin typeface="Arial" charset="0"/>
+                  <a:ea typeface="宋体" pitchFamily="2" charset="-122"/>
+                </a:defRPr>
+              </a:lvl3pPr>
+              <a:lvl4pPr marL="1600200" indent="-228600" eaLnBrk="0" hangingPunct="0">
+                <a:defRPr>
+                  <a:solidFill>
+                    <a:schemeClr val="tx1"/>
+                  </a:solidFill>
+                  <a:latin typeface="Arial" charset="0"/>
+                  <a:ea typeface="宋体" pitchFamily="2" charset="-122"/>
+                </a:defRPr>
+              </a:lvl4pPr>
+              <a:lvl5pPr marL="2057400" indent="-228600" eaLnBrk="0" hangingPunct="0">
+                <a:defRPr>
+                  <a:solidFill>
+                    <a:schemeClr val="tx1"/>
+                  </a:solidFill>
+                  <a:latin typeface="Arial" charset="0"/>
+                  <a:ea typeface="宋体" pitchFamily="2" charset="-122"/>
+                </a:defRPr>
+              </a:lvl5pPr>
+              <a:lvl6pPr marL="2514600" indent="-228600" eaLnBrk="0" fontAlgn="base" hangingPunct="0">
+                <a:spcBef>
+                  <a:spcPct val="0"/>
+                </a:spcBef>
+                <a:spcAft>
+                  <a:spcPct val="0"/>
+                </a:spcAft>
+                <a:defRPr>
+                  <a:solidFill>
+                    <a:schemeClr val="tx1"/>
+                  </a:solidFill>
+                  <a:latin typeface="Arial" charset="0"/>
+                  <a:ea typeface="宋体" pitchFamily="2" charset="-122"/>
+                </a:defRPr>
+              </a:lvl6pPr>
+              <a:lvl7pPr marL="2971800" indent="-228600" eaLnBrk="0" fontAlgn="base" hangingPunct="0">
+                <a:spcBef>
+                  <a:spcPct val="0"/>
+                </a:spcBef>
+                <a:spcAft>
+                  <a:spcPct val="0"/>
+                </a:spcAft>
+                <a:defRPr>
+                  <a:solidFill>
+                    <a:schemeClr val="tx1"/>
+                  </a:solidFill>
+                  <a:latin typeface="Arial" charset="0"/>
+                  <a:ea typeface="宋体" pitchFamily="2" charset="-122"/>
+                </a:defRPr>
+              </a:lvl7pPr>
+              <a:lvl8pPr marL="3429000" indent="-228600" eaLnBrk="0" fontAlgn="base" hangingPunct="0">
+                <a:spcBef>
+                  <a:spcPct val="0"/>
+                </a:spcBef>
+                <a:spcAft>
+                  <a:spcPct val="0"/>
+                </a:spcAft>
+                <a:defRPr>
+                  <a:solidFill>
+                    <a:schemeClr val="tx1"/>
+                  </a:solidFill>
+                  <a:latin typeface="Arial" charset="0"/>
+                  <a:ea typeface="宋体" pitchFamily="2" charset="-122"/>
+                </a:defRPr>
+              </a:lvl8pPr>
+              <a:lvl9pPr marL="3886200" indent="-228600" eaLnBrk="0" fontAlgn="base" hangingPunct="0">
+                <a:spcBef>
+                  <a:spcPct val="0"/>
+                </a:spcBef>
+                <a:spcAft>
+                  <a:spcPct val="0"/>
+                </a:spcAft>
+                <a:defRPr>
+                  <a:solidFill>
+                    <a:schemeClr val="tx1"/>
+                  </a:solidFill>
+                  <a:latin typeface="Arial" charset="0"/>
+                  <a:ea typeface="宋体" pitchFamily="2" charset="-122"/>
+                </a:defRPr>
+              </a:lvl9pPr>
+            </a:lstStyle>
+            <a:p>
+              <a:pPr algn="ctr" eaLnBrk="1" hangingPunct="1"/>
+              <a:r>
+                <a:rPr lang="en-US" altLang="zh-CN" sz="5400" b="1" dirty="0" smtClean="0"/>
+                <a:t>(e) DSI-11 </a:t>
+              </a:r>
+              <a:r>
+                <a:rPr lang="en-US" altLang="zh-CN" sz="5400" b="1" dirty="0"/>
+                <a:t>Ex Vivo</a:t>
+              </a:r>
+            </a:p>
+          </p:txBody>
+        </p:sp>
+      </p:grpSp>
+      <p:grpSp>
+        <p:nvGrpSpPr>
+          <p:cNvPr id="21" name="组合 20"/>
+          <p:cNvGrpSpPr/>
+          <p:nvPr/>
+        </p:nvGrpSpPr>
+        <p:grpSpPr>
+          <a:xfrm>
+            <a:off x="-9541568" y="546248"/>
+            <a:ext cx="19255602" cy="11379696"/>
+            <a:chOff x="-9541568" y="546248"/>
+            <a:chExt cx="19255602" cy="11379696"/>
+          </a:xfrm>
+        </p:grpSpPr>
+        <p:pic>
+          <p:nvPicPr>
+            <p:cNvPr id="2051" name="图片 3"/>
+            <p:cNvPicPr>
+              <a:picLocks noChangeAspect="1"/>
+            </p:cNvPicPr>
+            <p:nvPr/>
+          </p:nvPicPr>
+          <p:blipFill>
+            <a:blip r:embed="rId3">
+              <a:extLst>
+                <a:ext uri="{28A0092B-C50C-407E-A947-70E740481C1C}">
+                  <a14:useLocalDpi xmlns:a14="http://schemas.microsoft.com/office/drawing/2010/main" val="0"/>
+                </a:ext>
+              </a:extLst>
+            </a:blip>
+            <a:srcRect l="22729" t="26482" r="23119" b="26205"/>
+            <a:stretch>
+              <a:fillRect/>
+            </a:stretch>
+          </p:blipFill>
+          <p:spPr bwMode="auto">
+            <a:xfrm>
+              <a:off x="-9541568" y="546248"/>
+              <a:ext cx="19255602" cy="10515600"/>
+            </a:xfrm>
+            <a:prstGeom prst="rect">
+              <a:avLst/>
+            </a:prstGeom>
+            <a:noFill/>
+            <a:ln>
+              <a:noFill/>
+            </a:ln>
+            <a:extLst>
+              <a:ext uri="{909E8E84-426E-40DD-AFC4-6F175D3DCCD1}">
+                <a14:hiddenFill xmlns:a14="http://schemas.microsoft.com/office/drawing/2010/main">
+                  <a:solidFill>
+                    <a:srgbClr val="FFFFFF"/>
+                  </a:solidFill>
+                </a14:hiddenFill>
+              </a:ext>
+              <a:ext uri="{91240B29-F687-4F45-9708-019B960494DF}">
+                <a14:hiddenLine xmlns:a14="http://schemas.microsoft.com/office/drawing/2010/main" w="9525">
+                  <a:solidFill>
+                    <a:srgbClr val="000000"/>
+                  </a:solidFill>
+                  <a:miter lim="800000"/>
+                  <a:headEnd/>
+                  <a:tailEnd/>
+                </a14:hiddenLine>
+              </a:ext>
+            </a:extLst>
+          </p:spPr>
+        </p:pic>
+        <p:sp>
+          <p:nvSpPr>
+            <p:cNvPr id="45" name="矩形 44"/>
+            <p:cNvSpPr/>
+            <p:nvPr/>
+          </p:nvSpPr>
+          <p:spPr bwMode="auto">
+            <a:xfrm>
+              <a:off x="-1272413" y="2483675"/>
+              <a:ext cx="2243138" cy="2444750"/>
+            </a:xfrm>
+            <a:prstGeom prst="rect">
+              <a:avLst/>
+            </a:prstGeom>
+            <a:noFill/>
+            <a:ln w="76200">
+              <a:solidFill>
+                <a:schemeClr val="bg1"/>
+              </a:solidFill>
+              <a:prstDash val="sysDash"/>
+            </a:ln>
+          </p:spPr>
+          <p:style>
+            <a:lnRef idx="2">
+              <a:schemeClr val="accent1">
+                <a:shade val="50000"/>
+              </a:schemeClr>
+            </a:lnRef>
+            <a:fillRef idx="1">
+              <a:schemeClr val="accent1"/>
+            </a:fillRef>
+            <a:effectRef idx="0">
+              <a:schemeClr val="accent1"/>
+            </a:effectRef>
+            <a:fontRef idx="minor">
+              <a:schemeClr val="lt1"/>
+            </a:fontRef>
+          </p:style>
+          <p:txBody>
+            <a:bodyPr anchor="ctr"/>
+            <a:lstStyle/>
+            <a:p>
+              <a:pPr algn="ctr">
+                <a:defRPr/>
+              </a:pPr>
+              <a:endParaRPr lang="zh-CN" altLang="en-US">
+                <a:solidFill>
+                  <a:schemeClr val="bg1"/>
+                </a:solidFill>
+              </a:endParaRPr>
+            </a:p>
+          </p:txBody>
+        </p:sp>
+        <p:sp>
+          <p:nvSpPr>
+            <p:cNvPr id="37" name="TextBox 72"/>
+            <p:cNvSpPr txBox="1">
+              <a:spLocks noChangeArrowheads="1"/>
+            </p:cNvSpPr>
+            <p:nvPr/>
+          </p:nvSpPr>
+          <p:spPr bwMode="auto">
+            <a:xfrm>
+              <a:off x="-6251073" y="11002614"/>
+              <a:ext cx="12674612" cy="923330"/>
+            </a:xfrm>
+            <a:prstGeom prst="rect">
+              <a:avLst/>
+            </a:prstGeom>
+            <a:noFill/>
+            <a:ln>
+              <a:noFill/>
+            </a:ln>
+            <a:extLst>
+              <a:ext uri="{909E8E84-426E-40DD-AFC4-6F175D3DCCD1}">
+                <a14:hiddenFill xmlns:a14="http://schemas.microsoft.com/office/drawing/2010/main">
+                  <a:solidFill>
+                    <a:srgbClr val="FFFFFF"/>
+                  </a:solidFill>
+                </a14:hiddenFill>
+              </a:ext>
+              <a:ext uri="{91240B29-F687-4F45-9708-019B960494DF}">
+                <a14:hiddenLine xmlns:a14="http://schemas.microsoft.com/office/drawing/2010/main" w="9525">
+                  <a:solidFill>
+                    <a:srgbClr val="000000"/>
+                  </a:solidFill>
+                  <a:miter lim="800000"/>
+                  <a:headEnd/>
+                  <a:tailEnd/>
+                </a14:hiddenLine>
+              </a:ext>
+            </a:extLst>
+          </p:spPr>
+          <p:txBody>
+            <a:bodyPr wrap="square">
+              <a:spAutoFit/>
+            </a:bodyPr>
+            <a:lstStyle>
+              <a:lvl1pPr eaLnBrk="0" hangingPunct="0">
+                <a:defRPr>
+                  <a:solidFill>
+                    <a:schemeClr val="tx1"/>
+                  </a:solidFill>
+                  <a:latin typeface="Arial" charset="0"/>
+                  <a:ea typeface="宋体" pitchFamily="2" charset="-122"/>
+                </a:defRPr>
+              </a:lvl1pPr>
+              <a:lvl2pPr marL="742950" indent="-285750" eaLnBrk="0" hangingPunct="0">
+                <a:defRPr>
+                  <a:solidFill>
+                    <a:schemeClr val="tx1"/>
+                  </a:solidFill>
+                  <a:latin typeface="Arial" charset="0"/>
+                  <a:ea typeface="宋体" pitchFamily="2" charset="-122"/>
+                </a:defRPr>
+              </a:lvl2pPr>
+              <a:lvl3pPr marL="1143000" indent="-228600" eaLnBrk="0" hangingPunct="0">
+                <a:defRPr>
+                  <a:solidFill>
+                    <a:schemeClr val="tx1"/>
+                  </a:solidFill>
+                  <a:latin typeface="Arial" charset="0"/>
+                  <a:ea typeface="宋体" pitchFamily="2" charset="-122"/>
+                </a:defRPr>
+              </a:lvl3pPr>
+              <a:lvl4pPr marL="1600200" indent="-228600" eaLnBrk="0" hangingPunct="0">
+                <a:defRPr>
+                  <a:solidFill>
+                    <a:schemeClr val="tx1"/>
+                  </a:solidFill>
+                  <a:latin typeface="Arial" charset="0"/>
+                  <a:ea typeface="宋体" pitchFamily="2" charset="-122"/>
+                </a:defRPr>
+              </a:lvl4pPr>
+              <a:lvl5pPr marL="2057400" indent="-228600" eaLnBrk="0" hangingPunct="0">
+                <a:defRPr>
+                  <a:solidFill>
+                    <a:schemeClr val="tx1"/>
+                  </a:solidFill>
+                  <a:latin typeface="Arial" charset="0"/>
+                  <a:ea typeface="宋体" pitchFamily="2" charset="-122"/>
+                </a:defRPr>
+              </a:lvl5pPr>
+              <a:lvl6pPr marL="2514600" indent="-228600" eaLnBrk="0" fontAlgn="base" hangingPunct="0">
+                <a:spcBef>
+                  <a:spcPct val="0"/>
+                </a:spcBef>
+                <a:spcAft>
+                  <a:spcPct val="0"/>
+                </a:spcAft>
+                <a:defRPr>
+                  <a:solidFill>
+                    <a:schemeClr val="tx1"/>
+                  </a:solidFill>
+                  <a:latin typeface="Arial" charset="0"/>
+                  <a:ea typeface="宋体" pitchFamily="2" charset="-122"/>
+                </a:defRPr>
+              </a:lvl6pPr>
+              <a:lvl7pPr marL="2971800" indent="-228600" eaLnBrk="0" fontAlgn="base" hangingPunct="0">
+                <a:spcBef>
+                  <a:spcPct val="0"/>
+                </a:spcBef>
+                <a:spcAft>
+                  <a:spcPct val="0"/>
+                </a:spcAft>
+                <a:defRPr>
+                  <a:solidFill>
+                    <a:schemeClr val="tx1"/>
+                  </a:solidFill>
+                  <a:latin typeface="Arial" charset="0"/>
+                  <a:ea typeface="宋体" pitchFamily="2" charset="-122"/>
+                </a:defRPr>
+              </a:lvl7pPr>
+              <a:lvl8pPr marL="3429000" indent="-228600" eaLnBrk="0" fontAlgn="base" hangingPunct="0">
+                <a:spcBef>
+                  <a:spcPct val="0"/>
+                </a:spcBef>
+                <a:spcAft>
+                  <a:spcPct val="0"/>
+                </a:spcAft>
+                <a:defRPr>
+                  <a:solidFill>
+                    <a:schemeClr val="tx1"/>
+                  </a:solidFill>
+                  <a:latin typeface="Arial" charset="0"/>
+                  <a:ea typeface="宋体" pitchFamily="2" charset="-122"/>
+                </a:defRPr>
+              </a:lvl8pPr>
+              <a:lvl9pPr marL="3886200" indent="-228600" eaLnBrk="0" fontAlgn="base" hangingPunct="0">
+                <a:spcBef>
+                  <a:spcPct val="0"/>
+                </a:spcBef>
+                <a:spcAft>
+                  <a:spcPct val="0"/>
+                </a:spcAft>
+                <a:defRPr>
+                  <a:solidFill>
+                    <a:schemeClr val="tx1"/>
+                  </a:solidFill>
+                  <a:latin typeface="Arial" charset="0"/>
+                  <a:ea typeface="宋体" pitchFamily="2" charset="-122"/>
+                </a:defRPr>
+              </a:lvl9pPr>
+            </a:lstStyle>
+            <a:p>
+              <a:pPr algn="ctr" eaLnBrk="1" hangingPunct="1"/>
+              <a:r>
+                <a:rPr lang="en-US" altLang="zh-CN" sz="5400" b="1" dirty="0" smtClean="0"/>
+                <a:t>(f) </a:t>
+              </a:r>
+              <a:r>
+                <a:rPr lang="en-US" altLang="zh-CN" sz="5400" b="1" dirty="0" smtClean="0"/>
+                <a:t>DSI-11-b10k </a:t>
+              </a:r>
+              <a:r>
+                <a:rPr lang="en-US" altLang="zh-CN" sz="5400" b="1" dirty="0" smtClean="0"/>
+                <a:t>In </a:t>
+              </a:r>
+              <a:r>
+                <a:rPr lang="en-US" altLang="zh-CN" sz="5400" b="1" dirty="0"/>
+                <a:t>Vivo (</a:t>
+              </a:r>
+              <a:r>
+                <a:rPr lang="en-US" altLang="zh-CN" sz="5400" b="1" dirty="0" err="1" smtClean="0"/>
+                <a:t>G</a:t>
+              </a:r>
+              <a:r>
+                <a:rPr lang="en-US" altLang="zh-CN" sz="5400" b="1" baseline="-25000" dirty="0" err="1" smtClean="0"/>
+                <a:t>max</a:t>
+              </a:r>
+              <a:r>
+                <a:rPr lang="en-US" altLang="zh-CN" sz="5400" b="1" dirty="0" smtClean="0"/>
+                <a:t>=225mT/m)</a:t>
+              </a:r>
+              <a:endParaRPr lang="en-US" altLang="zh-CN" sz="5400" b="1" dirty="0"/>
+            </a:p>
+          </p:txBody>
+        </p:sp>
+      </p:grpSp>
+      <p:grpSp>
+        <p:nvGrpSpPr>
+          <p:cNvPr id="22" name="组合 21"/>
+          <p:cNvGrpSpPr/>
+          <p:nvPr/>
+        </p:nvGrpSpPr>
+        <p:grpSpPr>
+          <a:xfrm>
+            <a:off x="9859289" y="576649"/>
+            <a:ext cx="18624805" cy="11480537"/>
+            <a:chOff x="9859289" y="576649"/>
+            <a:chExt cx="18624805" cy="11480537"/>
+          </a:xfrm>
+        </p:grpSpPr>
+        <p:pic>
+          <p:nvPicPr>
+            <p:cNvPr id="4" name="图片 3"/>
+            <p:cNvPicPr>
+              <a:picLocks noChangeAspect="1"/>
+            </p:cNvPicPr>
+            <p:nvPr/>
+          </p:nvPicPr>
+          <p:blipFill rotWithShape="1">
             <a:blip r:embed="rId4">
               <a:extLst>
                 <a:ext uri="{28A0092B-C50C-407E-A947-70E740481C1C}">
@@ -3751,15 +4236,625 @@
                 </a:ext>
               </a:extLst>
             </a:blip>
-            <a:srcRect l="55559" t="27458" r="13101" b="29015"/>
-            <a:stretch>
-              <a:fillRect/>
-            </a:stretch>
+            <a:srcRect l="23112" t="25075" r="22363" b="25670"/>
+            <a:stretch/>
+          </p:blipFill>
+          <p:spPr>
+            <a:xfrm>
+              <a:off x="9859289" y="576649"/>
+              <a:ext cx="18624805" cy="10515600"/>
+            </a:xfrm>
+            <a:prstGeom prst="rect">
+              <a:avLst/>
+            </a:prstGeom>
+          </p:spPr>
+        </p:pic>
+        <p:sp>
+          <p:nvSpPr>
+            <p:cNvPr id="38" name="TextBox 72"/>
+            <p:cNvSpPr txBox="1">
+              <a:spLocks noChangeArrowheads="1"/>
+            </p:cNvSpPr>
+            <p:nvPr/>
+          </p:nvSpPr>
+          <p:spPr bwMode="auto">
+            <a:xfrm>
+              <a:off x="12921952" y="11133856"/>
+              <a:ext cx="12499478" cy="923330"/>
+            </a:xfrm>
+            <a:prstGeom prst="rect">
+              <a:avLst/>
+            </a:prstGeom>
+            <a:noFill/>
+            <a:ln>
+              <a:noFill/>
+            </a:ln>
+            <a:extLst>
+              <a:ext uri="{909E8E84-426E-40DD-AFC4-6F175D3DCCD1}">
+                <a14:hiddenFill xmlns:a14="http://schemas.microsoft.com/office/drawing/2010/main">
+                  <a:solidFill>
+                    <a:srgbClr val="FFFFFF"/>
+                  </a:solidFill>
+                </a14:hiddenFill>
+              </a:ext>
+              <a:ext uri="{91240B29-F687-4F45-9708-019B960494DF}">
+                <a14:hiddenLine xmlns:a14="http://schemas.microsoft.com/office/drawing/2010/main" w="9525">
+                  <a:solidFill>
+                    <a:srgbClr val="000000"/>
+                  </a:solidFill>
+                  <a:miter lim="800000"/>
+                  <a:headEnd/>
+                  <a:tailEnd/>
+                </a14:hiddenLine>
+              </a:ext>
+            </a:extLst>
+          </p:spPr>
+          <p:txBody>
+            <a:bodyPr wrap="square">
+              <a:spAutoFit/>
+            </a:bodyPr>
+            <a:lstStyle>
+              <a:lvl1pPr eaLnBrk="0" hangingPunct="0">
+                <a:defRPr>
+                  <a:solidFill>
+                    <a:schemeClr val="tx1"/>
+                  </a:solidFill>
+                  <a:latin typeface="Arial" charset="0"/>
+                  <a:ea typeface="宋体" pitchFamily="2" charset="-122"/>
+                </a:defRPr>
+              </a:lvl1pPr>
+              <a:lvl2pPr marL="742950" indent="-285750" eaLnBrk="0" hangingPunct="0">
+                <a:defRPr>
+                  <a:solidFill>
+                    <a:schemeClr val="tx1"/>
+                  </a:solidFill>
+                  <a:latin typeface="Arial" charset="0"/>
+                  <a:ea typeface="宋体" pitchFamily="2" charset="-122"/>
+                </a:defRPr>
+              </a:lvl2pPr>
+              <a:lvl3pPr marL="1143000" indent="-228600" eaLnBrk="0" hangingPunct="0">
+                <a:defRPr>
+                  <a:solidFill>
+                    <a:schemeClr val="tx1"/>
+                  </a:solidFill>
+                  <a:latin typeface="Arial" charset="0"/>
+                  <a:ea typeface="宋体" pitchFamily="2" charset="-122"/>
+                </a:defRPr>
+              </a:lvl3pPr>
+              <a:lvl4pPr marL="1600200" indent="-228600" eaLnBrk="0" hangingPunct="0">
+                <a:defRPr>
+                  <a:solidFill>
+                    <a:schemeClr val="tx1"/>
+                  </a:solidFill>
+                  <a:latin typeface="Arial" charset="0"/>
+                  <a:ea typeface="宋体" pitchFamily="2" charset="-122"/>
+                </a:defRPr>
+              </a:lvl4pPr>
+              <a:lvl5pPr marL="2057400" indent="-228600" eaLnBrk="0" hangingPunct="0">
+                <a:defRPr>
+                  <a:solidFill>
+                    <a:schemeClr val="tx1"/>
+                  </a:solidFill>
+                  <a:latin typeface="Arial" charset="0"/>
+                  <a:ea typeface="宋体" pitchFamily="2" charset="-122"/>
+                </a:defRPr>
+              </a:lvl5pPr>
+              <a:lvl6pPr marL="2514600" indent="-228600" eaLnBrk="0" fontAlgn="base" hangingPunct="0">
+                <a:spcBef>
+                  <a:spcPct val="0"/>
+                </a:spcBef>
+                <a:spcAft>
+                  <a:spcPct val="0"/>
+                </a:spcAft>
+                <a:defRPr>
+                  <a:solidFill>
+                    <a:schemeClr val="tx1"/>
+                  </a:solidFill>
+                  <a:latin typeface="Arial" charset="0"/>
+                  <a:ea typeface="宋体" pitchFamily="2" charset="-122"/>
+                </a:defRPr>
+              </a:lvl6pPr>
+              <a:lvl7pPr marL="2971800" indent="-228600" eaLnBrk="0" fontAlgn="base" hangingPunct="0">
+                <a:spcBef>
+                  <a:spcPct val="0"/>
+                </a:spcBef>
+                <a:spcAft>
+                  <a:spcPct val="0"/>
+                </a:spcAft>
+                <a:defRPr>
+                  <a:solidFill>
+                    <a:schemeClr val="tx1"/>
+                  </a:solidFill>
+                  <a:latin typeface="Arial" charset="0"/>
+                  <a:ea typeface="宋体" pitchFamily="2" charset="-122"/>
+                </a:defRPr>
+              </a:lvl7pPr>
+              <a:lvl8pPr marL="3429000" indent="-228600" eaLnBrk="0" fontAlgn="base" hangingPunct="0">
+                <a:spcBef>
+                  <a:spcPct val="0"/>
+                </a:spcBef>
+                <a:spcAft>
+                  <a:spcPct val="0"/>
+                </a:spcAft>
+                <a:defRPr>
+                  <a:solidFill>
+                    <a:schemeClr val="tx1"/>
+                  </a:solidFill>
+                  <a:latin typeface="Arial" charset="0"/>
+                  <a:ea typeface="宋体" pitchFamily="2" charset="-122"/>
+                </a:defRPr>
+              </a:lvl8pPr>
+              <a:lvl9pPr marL="3886200" indent="-228600" eaLnBrk="0" fontAlgn="base" hangingPunct="0">
+                <a:spcBef>
+                  <a:spcPct val="0"/>
+                </a:spcBef>
+                <a:spcAft>
+                  <a:spcPct val="0"/>
+                </a:spcAft>
+                <a:defRPr>
+                  <a:solidFill>
+                    <a:schemeClr val="tx1"/>
+                  </a:solidFill>
+                  <a:latin typeface="Arial" charset="0"/>
+                  <a:ea typeface="宋体" pitchFamily="2" charset="-122"/>
+                </a:defRPr>
+              </a:lvl9pPr>
+            </a:lstStyle>
+            <a:p>
+              <a:pPr algn="ctr" eaLnBrk="1" hangingPunct="1"/>
+              <a:r>
+                <a:rPr lang="en-US" altLang="zh-CN" sz="5400" b="1" dirty="0" smtClean="0"/>
+                <a:t>(g) DSI-11-b7k </a:t>
+              </a:r>
+              <a:r>
+                <a:rPr lang="en-US" altLang="zh-CN" sz="5400" b="1" dirty="0" smtClean="0"/>
+                <a:t>In Vivo (</a:t>
+              </a:r>
+              <a:r>
+                <a:rPr lang="en-US" altLang="zh-CN" sz="5400" b="1" dirty="0" err="1" smtClean="0"/>
+                <a:t>G</a:t>
+              </a:r>
+              <a:r>
+                <a:rPr lang="en-US" altLang="zh-CN" sz="5400" b="1" baseline="-25000" dirty="0" err="1" smtClean="0"/>
+                <a:t>max</a:t>
+              </a:r>
+              <a:r>
+                <a:rPr lang="en-US" altLang="zh-CN" sz="5400" b="1" dirty="0" smtClean="0"/>
+                <a:t>=40mT/m)</a:t>
+              </a:r>
+              <a:endParaRPr lang="en-US" altLang="zh-CN" sz="5400" b="1" dirty="0"/>
+            </a:p>
+          </p:txBody>
+        </p:sp>
+        <p:sp>
+          <p:nvSpPr>
+            <p:cNvPr id="39" name="矩形 38"/>
+            <p:cNvSpPr/>
+            <p:nvPr/>
+          </p:nvSpPr>
+          <p:spPr bwMode="auto">
+            <a:xfrm>
+              <a:off x="17821472" y="2564904"/>
+              <a:ext cx="2243138" cy="2444750"/>
+            </a:xfrm>
+            <a:prstGeom prst="rect">
+              <a:avLst/>
+            </a:prstGeom>
+            <a:noFill/>
+            <a:ln w="76200">
+              <a:solidFill>
+                <a:schemeClr val="bg1"/>
+              </a:solidFill>
+              <a:prstDash val="sysDash"/>
+            </a:ln>
+          </p:spPr>
+          <p:style>
+            <a:lnRef idx="2">
+              <a:schemeClr val="accent1">
+                <a:shade val="50000"/>
+              </a:schemeClr>
+            </a:lnRef>
+            <a:fillRef idx="1">
+              <a:schemeClr val="accent1"/>
+            </a:fillRef>
+            <a:effectRef idx="0">
+              <a:schemeClr val="accent1"/>
+            </a:effectRef>
+            <a:fontRef idx="minor">
+              <a:schemeClr val="lt1"/>
+            </a:fontRef>
+          </p:style>
+          <p:txBody>
+            <a:bodyPr anchor="ctr"/>
+            <a:lstStyle/>
+            <a:p>
+              <a:pPr algn="ctr">
+                <a:defRPr/>
+              </a:pPr>
+              <a:endParaRPr lang="zh-CN" altLang="en-US">
+                <a:solidFill>
+                  <a:schemeClr val="bg1"/>
+                </a:solidFill>
+              </a:endParaRPr>
+            </a:p>
+          </p:txBody>
+        </p:sp>
+      </p:grpSp>
+      <p:grpSp>
+        <p:nvGrpSpPr>
+          <p:cNvPr id="16" name="组合 15"/>
+          <p:cNvGrpSpPr/>
+          <p:nvPr/>
+        </p:nvGrpSpPr>
+        <p:grpSpPr>
+          <a:xfrm>
+            <a:off x="-8677472" y="-10529192"/>
+            <a:ext cx="7920880" cy="5029200"/>
+            <a:chOff x="-8677472" y="-10529192"/>
+            <a:chExt cx="7920880" cy="5029200"/>
+          </a:xfrm>
+        </p:grpSpPr>
+        <p:grpSp>
+          <p:nvGrpSpPr>
+            <p:cNvPr id="2059" name="组合 6"/>
+            <p:cNvGrpSpPr>
+              <a:grpSpLocks/>
+            </p:cNvGrpSpPr>
+            <p:nvPr/>
+          </p:nvGrpSpPr>
+          <p:grpSpPr bwMode="auto">
+            <a:xfrm>
+              <a:off x="-2609192" y="-9158831"/>
+              <a:ext cx="1852600" cy="1900103"/>
+              <a:chOff x="13517876" y="-3123382"/>
+              <a:chExt cx="1052778" cy="1079292"/>
+            </a:xfrm>
+          </p:grpSpPr>
+          <p:sp>
+            <p:nvSpPr>
+              <p:cNvPr id="6" name="矩形 5"/>
+              <p:cNvSpPr/>
+              <p:nvPr/>
+            </p:nvSpPr>
+            <p:spPr>
+              <a:xfrm>
+                <a:off x="13517876" y="-3123382"/>
+                <a:ext cx="1052778" cy="1052309"/>
+              </a:xfrm>
+              <a:prstGeom prst="rect">
+                <a:avLst/>
+              </a:prstGeom>
+              <a:solidFill>
+                <a:schemeClr val="bg1"/>
+              </a:solidFill>
+              <a:ln>
+                <a:solidFill>
+                  <a:schemeClr val="bg1"/>
+                </a:solidFill>
+              </a:ln>
+            </p:spPr>
+            <p:style>
+              <a:lnRef idx="2">
+                <a:schemeClr val="accent1">
+                  <a:shade val="50000"/>
+                </a:schemeClr>
+              </a:lnRef>
+              <a:fillRef idx="1">
+                <a:schemeClr val="accent1"/>
+              </a:fillRef>
+              <a:effectRef idx="0">
+                <a:schemeClr val="accent1"/>
+              </a:effectRef>
+              <a:fontRef idx="minor">
+                <a:schemeClr val="lt1"/>
+              </a:fontRef>
+            </p:style>
+            <p:txBody>
+              <a:bodyPr anchor="ctr"/>
+              <a:lstStyle/>
+              <a:p>
+                <a:pPr algn="ctr">
+                  <a:defRPr/>
+                </a:pPr>
+                <a:endParaRPr lang="zh-CN" altLang="en-US"/>
+              </a:p>
+            </p:txBody>
+          </p:sp>
+          <p:grpSp>
+            <p:nvGrpSpPr>
+              <p:cNvPr id="2062" name="组合 3"/>
+              <p:cNvGrpSpPr>
+                <a:grpSpLocks/>
+              </p:cNvGrpSpPr>
+              <p:nvPr/>
+            </p:nvGrpSpPr>
+            <p:grpSpPr bwMode="auto">
+              <a:xfrm>
+                <a:off x="13573000" y="-3123382"/>
+                <a:ext cx="942530" cy="1079292"/>
+                <a:chOff x="14224282" y="2808312"/>
+                <a:chExt cx="5234192" cy="5993904"/>
+              </a:xfrm>
+            </p:grpSpPr>
+            <p:sp>
+              <p:nvSpPr>
+                <p:cNvPr id="2" name="椭圆 1"/>
+                <p:cNvSpPr/>
+                <p:nvPr/>
+              </p:nvSpPr>
+              <p:spPr>
+                <a:xfrm>
+                  <a:off x="15928700" y="4967878"/>
+                  <a:ext cx="1772447" cy="1771730"/>
+                </a:xfrm>
+                <a:prstGeom prst="ellipse">
+                  <a:avLst/>
+                </a:prstGeom>
+                <a:solidFill>
+                  <a:srgbClr val="00FF00"/>
+                </a:solidFill>
+                <a:ln>
+                  <a:solidFill>
+                    <a:srgbClr val="00FF00"/>
+                  </a:solidFill>
+                </a:ln>
+              </p:spPr>
+              <p:style>
+                <a:lnRef idx="2">
+                  <a:schemeClr val="accent1">
+                    <a:shade val="50000"/>
+                  </a:schemeClr>
+                </a:lnRef>
+                <a:fillRef idx="1">
+                  <a:schemeClr val="accent1"/>
+                </a:fillRef>
+                <a:effectRef idx="0">
+                  <a:schemeClr val="accent1"/>
+                </a:effectRef>
+                <a:fontRef idx="minor">
+                  <a:schemeClr val="lt1"/>
+                </a:fontRef>
+              </p:style>
+              <p:txBody>
+                <a:bodyPr anchor="ctr"/>
+                <a:lstStyle/>
+                <a:p>
+                  <a:pPr algn="ctr">
+                    <a:defRPr/>
+                  </a:pPr>
+                  <a:endParaRPr lang="zh-CN" altLang="en-US">
+                    <a:solidFill>
+                      <a:srgbClr val="00FF00"/>
+                    </a:solidFill>
+                  </a:endParaRPr>
+                </a:p>
+              </p:txBody>
+            </p:sp>
+            <p:sp>
+              <p:nvSpPr>
+                <p:cNvPr id="3" name="等腰三角形 2"/>
+                <p:cNvSpPr/>
+                <p:nvPr/>
+              </p:nvSpPr>
+              <p:spPr>
+                <a:xfrm rot="-1800000">
+                  <a:off x="17401330" y="4650553"/>
+                  <a:ext cx="2036997" cy="1780542"/>
+                </a:xfrm>
+                <a:prstGeom prst="triangle">
+                  <a:avLst/>
+                </a:prstGeom>
+                <a:solidFill>
+                  <a:srgbClr val="FF0000"/>
+                </a:solidFill>
+                <a:ln>
+                  <a:solidFill>
+                    <a:srgbClr val="FF0000"/>
+                  </a:solidFill>
+                </a:ln>
+              </p:spPr>
+              <p:style>
+                <a:lnRef idx="2">
+                  <a:schemeClr val="accent1">
+                    <a:shade val="50000"/>
+                  </a:schemeClr>
+                </a:lnRef>
+                <a:fillRef idx="1">
+                  <a:schemeClr val="accent1"/>
+                </a:fillRef>
+                <a:effectRef idx="0">
+                  <a:schemeClr val="accent1"/>
+                </a:effectRef>
+                <a:fontRef idx="minor">
+                  <a:schemeClr val="lt1"/>
+                </a:fontRef>
+              </p:style>
+              <p:txBody>
+                <a:bodyPr anchor="ctr"/>
+                <a:lstStyle/>
+                <a:p>
+                  <a:pPr algn="ctr">
+                    <a:defRPr/>
+                  </a:pPr>
+                  <a:endParaRPr lang="zh-CN" altLang="en-US"/>
+                </a:p>
+              </p:txBody>
+            </p:sp>
+            <p:sp>
+              <p:nvSpPr>
+                <p:cNvPr id="41" name="等腰三角形 40"/>
+                <p:cNvSpPr/>
+                <p:nvPr/>
+              </p:nvSpPr>
+              <p:spPr>
+                <a:xfrm>
+                  <a:off x="15787609" y="2808312"/>
+                  <a:ext cx="2054628" cy="1771725"/>
+                </a:xfrm>
+                <a:prstGeom prst="triangle">
+                  <a:avLst/>
+                </a:prstGeom>
+                <a:solidFill>
+                  <a:srgbClr val="0000FF"/>
+                </a:solidFill>
+                <a:ln>
+                  <a:solidFill>
+                    <a:srgbClr val="0000FF"/>
+                  </a:solidFill>
+                </a:ln>
+              </p:spPr>
+              <p:style>
+                <a:lnRef idx="2">
+                  <a:schemeClr val="accent1">
+                    <a:shade val="50000"/>
+                  </a:schemeClr>
+                </a:lnRef>
+                <a:fillRef idx="1">
+                  <a:schemeClr val="accent1"/>
+                </a:fillRef>
+                <a:effectRef idx="0">
+                  <a:schemeClr val="accent1"/>
+                </a:effectRef>
+                <a:fontRef idx="minor">
+                  <a:schemeClr val="lt1"/>
+                </a:fontRef>
+              </p:style>
+              <p:txBody>
+                <a:bodyPr anchor="ctr"/>
+                <a:lstStyle/>
+                <a:p>
+                  <a:pPr algn="ctr">
+                    <a:defRPr/>
+                  </a:pPr>
+                  <a:endParaRPr lang="zh-CN" altLang="en-US"/>
+                </a:p>
+              </p:txBody>
+            </p:sp>
+            <p:sp>
+              <p:nvSpPr>
+                <p:cNvPr id="42" name="等腰三角形 41"/>
+                <p:cNvSpPr/>
+                <p:nvPr/>
+              </p:nvSpPr>
+              <p:spPr>
+                <a:xfrm rot="1800000" flipH="1">
+                  <a:off x="14226793" y="4650553"/>
+                  <a:ext cx="2054634" cy="1780542"/>
+                </a:xfrm>
+                <a:prstGeom prst="triangle">
+                  <a:avLst/>
+                </a:prstGeom>
+                <a:solidFill>
+                  <a:srgbClr val="FF0000"/>
+                </a:solidFill>
+                <a:ln>
+                  <a:solidFill>
+                    <a:srgbClr val="FF0000"/>
+                  </a:solidFill>
+                </a:ln>
+              </p:spPr>
+              <p:style>
+                <a:lnRef idx="2">
+                  <a:schemeClr val="accent1">
+                    <a:shade val="50000"/>
+                  </a:schemeClr>
+                </a:lnRef>
+                <a:fillRef idx="1">
+                  <a:schemeClr val="accent1"/>
+                </a:fillRef>
+                <a:effectRef idx="0">
+                  <a:schemeClr val="accent1"/>
+                </a:effectRef>
+                <a:fontRef idx="minor">
+                  <a:schemeClr val="lt1"/>
+                </a:fontRef>
+              </p:style>
+              <p:txBody>
+                <a:bodyPr anchor="ctr"/>
+                <a:lstStyle/>
+                <a:p>
+                  <a:pPr algn="ctr">
+                    <a:defRPr/>
+                  </a:pPr>
+                  <a:endParaRPr lang="zh-CN" altLang="en-US"/>
+                </a:p>
+              </p:txBody>
+            </p:sp>
+            <p:sp>
+              <p:nvSpPr>
+                <p:cNvPr id="43" name="等腰三角形 42"/>
+                <p:cNvSpPr/>
+                <p:nvPr/>
+              </p:nvSpPr>
+              <p:spPr>
+                <a:xfrm flipV="1">
+                  <a:off x="15787609" y="7030486"/>
+                  <a:ext cx="2054628" cy="1771730"/>
+                </a:xfrm>
+                <a:prstGeom prst="triangle">
+                  <a:avLst/>
+                </a:prstGeom>
+                <a:solidFill>
+                  <a:srgbClr val="0000FF"/>
+                </a:solidFill>
+                <a:ln>
+                  <a:solidFill>
+                    <a:srgbClr val="0000FF"/>
+                  </a:solidFill>
+                </a:ln>
+              </p:spPr>
+              <p:style>
+                <a:lnRef idx="2">
+                  <a:schemeClr val="accent1">
+                    <a:shade val="50000"/>
+                  </a:schemeClr>
+                </a:lnRef>
+                <a:fillRef idx="1">
+                  <a:schemeClr val="accent1"/>
+                </a:fillRef>
+                <a:effectRef idx="0">
+                  <a:schemeClr val="accent1"/>
+                </a:effectRef>
+                <a:fontRef idx="minor">
+                  <a:schemeClr val="lt1"/>
+                </a:fontRef>
+              </p:style>
+              <p:txBody>
+                <a:bodyPr anchor="ctr"/>
+                <a:lstStyle/>
+                <a:p>
+                  <a:pPr algn="ctr">
+                    <a:defRPr/>
+                  </a:pPr>
+                  <a:endParaRPr lang="zh-CN" altLang="en-US"/>
+                </a:p>
+              </p:txBody>
+            </p:sp>
+          </p:grpSp>
+        </p:grpSp>
+        <p:pic>
+          <p:nvPicPr>
+            <p:cNvPr id="47" name="Picture 17" descr="Screenshot from 2014-09-01 20:23:00.png"/>
+            <p:cNvPicPr>
+              <a:picLocks noChangeAspect="1" noChangeArrowheads="1"/>
+            </p:cNvPicPr>
+            <p:nvPr/>
+          </p:nvPicPr>
+          <p:blipFill rotWithShape="1">
+            <a:blip r:embed="rId5">
+              <a:extLst>
+                <a:ext uri="{28A0092B-C50C-407E-A947-70E740481C1C}">
+                  <a14:useLocalDpi xmlns:a14="http://schemas.microsoft.com/office/drawing/2010/main" val="0"/>
+                </a:ext>
+              </a:extLst>
+            </a:blip>
+            <a:srcRect l="55559" t="28201" r="13101" b="29923"/>
+            <a:stretch/>
           </p:blipFill>
           <p:spPr bwMode="auto">
             <a:xfrm>
-              <a:off x="-10012363" y="-4203700"/>
-              <a:ext cx="5629275" cy="5199063"/>
+              <a:off x="-8592963" y="-10529192"/>
+              <a:ext cx="5445355" cy="4838443"/>
             </a:xfrm>
             <a:prstGeom prst="rect">
               <a:avLst/>
@@ -3799,7 +4894,7 @@
           </p:nvSpPr>
           <p:spPr bwMode="auto">
             <a:xfrm>
-              <a:off x="-10012363" y="-125413"/>
+              <a:off x="-8677472" y="-6700143"/>
               <a:ext cx="754063" cy="1200151"/>
             </a:xfrm>
             <a:prstGeom prst="rect">
@@ -3943,14 +5038,14 @@
             <a:p>
               <a:pPr eaLnBrk="1" hangingPunct="1"/>
               <a:r>
-                <a:rPr lang="en-US" altLang="zh-CN" sz="7200" b="1">
+                <a:rPr lang="en-US" altLang="zh-CN" sz="7200" b="1" dirty="0">
                   <a:solidFill>
                     <a:schemeClr val="bg1"/>
                   </a:solidFill>
                 </a:rPr>
                 <a:t>a</a:t>
               </a:r>
-              <a:endParaRPr lang="zh-CN" altLang="en-US" sz="7200" b="1">
+              <a:endParaRPr lang="zh-CN" altLang="en-US" sz="7200" b="1" dirty="0">
                 <a:solidFill>
                   <a:schemeClr val="bg1"/>
                 </a:solidFill>
@@ -3961,84 +5056,57 @@
       </p:grpSp>
       <p:grpSp>
         <p:nvGrpSpPr>
-          <p:cNvPr id="2054" name="组合 3"/>
-          <p:cNvGrpSpPr>
-            <a:grpSpLocks/>
-          </p:cNvGrpSpPr>
+          <p:cNvPr id="17" name="组合 16"/>
+          <p:cNvGrpSpPr/>
           <p:nvPr/>
         </p:nvGrpSpPr>
-        <p:grpSpPr bwMode="auto">
+        <p:grpSpPr>
           <a:xfrm>
-            <a:off x="-161019" y="792160"/>
-            <a:ext cx="7099300" cy="5257801"/>
-            <a:chOff x="-4183063" y="-4183063"/>
-            <a:chExt cx="7098879" cy="5257801"/>
+            <a:off x="407757" y="-10529192"/>
+            <a:ext cx="9258334" cy="5029200"/>
+            <a:chOff x="407757" y="-10529192"/>
+            <a:chExt cx="9258334" cy="5029200"/>
           </a:xfrm>
         </p:grpSpPr>
         <p:pic>
           <p:nvPicPr>
-            <p:cNvPr id="2074" name="图片 28"/>
+            <p:cNvPr id="48" name="图片 47"/>
             <p:cNvPicPr>
               <a:picLocks noChangeAspect="1"/>
             </p:cNvPicPr>
             <p:nvPr/>
           </p:nvPicPr>
-          <p:blipFill>
-            <a:blip r:embed="rId5">
+          <p:blipFill rotWithShape="1">
+            <a:blip r:embed="rId6">
               <a:extLst>
                 <a:ext uri="{28A0092B-C50C-407E-A947-70E740481C1C}">
                   <a14:useLocalDpi xmlns:a14="http://schemas.microsoft.com/office/drawing/2010/main" val="0"/>
                 </a:ext>
               </a:extLst>
             </a:blip>
-            <a:srcRect l="15280" t="13181" r="19727" b="11652"/>
-            <a:stretch>
-              <a:fillRect/>
-            </a:stretch>
+            <a:srcRect l="23519" t="23261" r="19714" b="15088"/>
+            <a:stretch/>
           </p:blipFill>
-          <p:spPr bwMode="auto">
+          <p:spPr>
             <a:xfrm>
-              <a:off x="-4127985" y="-4183063"/>
-              <a:ext cx="7043801" cy="5175504"/>
+              <a:off x="428220" y="-10529192"/>
+              <a:ext cx="9237871" cy="4937760"/>
             </a:xfrm>
             <a:prstGeom prst="rect">
               <a:avLst/>
             </a:prstGeom>
-            <a:noFill/>
-            <a:ln>
-              <a:noFill/>
-            </a:ln>
-            <a:extLst>
-              <a:ext uri="{909E8E84-426E-40DD-AFC4-6F175D3DCCD1}">
-                <a14:hiddenFill xmlns:a14="http://schemas.microsoft.com/office/drawing/2010/main">
-                  <a:solidFill>
-                    <a:srgbClr val="FFFFFF"/>
-                  </a:solidFill>
-                </a14:hiddenFill>
-              </a:ext>
-              <a:ext uri="{91240B29-F687-4F45-9708-019B960494DF}">
-                <a14:hiddenLine xmlns:a14="http://schemas.microsoft.com/office/drawing/2010/main" w="9525">
-                  <a:solidFill>
-                    <a:srgbClr val="000000"/>
-                  </a:solidFill>
-                  <a:miter lim="800000"/>
-                  <a:headEnd/>
-                  <a:tailEnd/>
-                </a14:hiddenLine>
-              </a:ext>
-            </a:extLst>
           </p:spPr>
         </p:pic>
         <p:sp>
           <p:nvSpPr>
-            <p:cNvPr id="13" name="矩形 12"/>
+            <p:cNvPr id="53" name="矩形 52"/>
             <p:cNvSpPr/>
             <p:nvPr/>
           </p:nvSpPr>
           <p:spPr bwMode="auto">
             <a:xfrm>
-              <a:off x="-2792495" y="-2789238"/>
-              <a:ext cx="4293933" cy="2386013"/>
+              <a:off x="2222028" y="-9892480"/>
+              <a:ext cx="5590332" cy="3094452"/>
             </a:xfrm>
             <a:prstGeom prst="rect">
               <a:avLst/>
@@ -4079,7 +5147,7 @@
         </p:sp>
         <p:sp>
           <p:nvSpPr>
-            <p:cNvPr id="2076" name="TextBox 14"/>
+            <p:cNvPr id="2077" name="TextBox 15"/>
             <p:cNvSpPr txBox="1">
               <a:spLocks noChangeArrowheads="1"/>
             </p:cNvSpPr>
@@ -4087,8 +5155,8 @@
           </p:nvSpPr>
           <p:spPr bwMode="auto">
             <a:xfrm>
-              <a:off x="1184275" y="-1250950"/>
-              <a:ext cx="1385888" cy="1014412"/>
+              <a:off x="5670225" y="-10404424"/>
+              <a:ext cx="1506627" cy="1016000"/>
             </a:xfrm>
             <a:prstGeom prst="rect">
               <a:avLst/>
@@ -4231,14 +5299,14 @@
             <a:p>
               <a:pPr eaLnBrk="1" hangingPunct="1"/>
               <a:r>
-                <a:rPr lang="en-US" altLang="zh-CN" sz="6000" b="1">
+                <a:rPr lang="en-US" altLang="zh-CN" sz="6000" b="1" dirty="0">
                   <a:solidFill>
                     <a:srgbClr val="FF0000"/>
                   </a:solidFill>
                 </a:rPr>
-                <a:t>CC</a:t>
+                <a:t>CR</a:t>
               </a:r>
-              <a:endParaRPr lang="zh-CN" altLang="en-US" sz="6000" b="1">
+              <a:endParaRPr lang="zh-CN" altLang="en-US" sz="6000" b="1" dirty="0">
                 <a:solidFill>
                   <a:srgbClr val="FF0000"/>
                 </a:solidFill>
@@ -4248,7 +5316,7 @@
         </p:sp>
         <p:sp>
           <p:nvSpPr>
-            <p:cNvPr id="2077" name="TextBox 15"/>
+            <p:cNvPr id="2076" name="TextBox 14"/>
             <p:cNvSpPr txBox="1">
               <a:spLocks noChangeArrowheads="1"/>
             </p:cNvSpPr>
@@ -4256,8 +5324,8 @@
           </p:nvSpPr>
           <p:spPr bwMode="auto">
             <a:xfrm>
-              <a:off x="-781050" y="-3771900"/>
-              <a:ext cx="1506538" cy="1016000"/>
+              <a:off x="7938558" y="-7012160"/>
+              <a:ext cx="1385970" cy="1014412"/>
             </a:xfrm>
             <a:prstGeom prst="rect">
               <a:avLst/>
@@ -4400,14 +5468,14 @@
             <a:p>
               <a:pPr eaLnBrk="1" hangingPunct="1"/>
               <a:r>
-                <a:rPr lang="en-US" altLang="zh-CN" sz="6000" b="1">
+                <a:rPr lang="en-US" altLang="zh-CN" sz="6000" b="1" dirty="0">
                   <a:solidFill>
                     <a:srgbClr val="FF0000"/>
                   </a:solidFill>
                 </a:rPr>
-                <a:t>CR</a:t>
+                <a:t>CC</a:t>
               </a:r>
-              <a:endParaRPr lang="zh-CN" altLang="en-US" sz="6000" b="1">
+              <a:endParaRPr lang="zh-CN" altLang="en-US" sz="6000" b="1" dirty="0">
                 <a:solidFill>
                   <a:srgbClr val="FF0000"/>
                 </a:solidFill>
@@ -4425,8 +5493,8 @@
           </p:nvSpPr>
           <p:spPr bwMode="auto">
             <a:xfrm>
-              <a:off x="-4168775" y="-1870075"/>
-              <a:ext cx="1971675" cy="1016000"/>
+              <a:off x="1664104" y="-6732016"/>
+              <a:ext cx="1971792" cy="1016000"/>
             </a:xfrm>
             <a:prstGeom prst="rect">
               <a:avLst/>
@@ -4569,14 +5637,14 @@
             <a:p>
               <a:pPr eaLnBrk="1" hangingPunct="1"/>
               <a:r>
-                <a:rPr lang="en-US" altLang="zh-CN" sz="6000" b="1">
+                <a:rPr lang="en-US" altLang="zh-CN" sz="6000" b="1" dirty="0">
                   <a:solidFill>
                     <a:srgbClr val="FF0000"/>
                   </a:solidFill>
                 </a:rPr>
                 <a:t>SLF</a:t>
               </a:r>
-              <a:endParaRPr lang="zh-CN" altLang="en-US" sz="6000" b="1">
+              <a:endParaRPr lang="zh-CN" altLang="en-US" sz="6000" b="1" dirty="0">
                 <a:solidFill>
                   <a:srgbClr val="FF0000"/>
                 </a:solidFill>
@@ -4594,8 +5662,8 @@
           </p:nvSpPr>
           <p:spPr bwMode="auto">
             <a:xfrm>
-              <a:off x="-4183063" y="-125413"/>
-              <a:ext cx="754063" cy="1200151"/>
+              <a:off x="407757" y="-6700143"/>
+              <a:ext cx="754108" cy="1200151"/>
             </a:xfrm>
             <a:prstGeom prst="rect">
               <a:avLst/>
@@ -4738,14 +5806,14 @@
             <a:p>
               <a:pPr eaLnBrk="1" hangingPunct="1"/>
               <a:r>
-                <a:rPr lang="en-US" altLang="zh-CN" sz="7200" b="1">
+                <a:rPr lang="en-US" altLang="zh-CN" sz="7200" b="1" dirty="0">
                   <a:solidFill>
                     <a:schemeClr val="bg1"/>
                   </a:solidFill>
                 </a:rPr>
                 <a:t>b</a:t>
               </a:r>
-              <a:endParaRPr lang="zh-CN" altLang="en-US" sz="7200" b="1">
+              <a:endParaRPr lang="zh-CN" altLang="en-US" sz="7200" b="1" dirty="0">
                 <a:solidFill>
                   <a:schemeClr val="bg1"/>
                 </a:solidFill>
@@ -4756,84 +5824,57 @@
       </p:grpSp>
       <p:grpSp>
         <p:nvGrpSpPr>
-          <p:cNvPr id="2055" name="组合 4"/>
-          <p:cNvGrpSpPr>
-            <a:grpSpLocks/>
-          </p:cNvGrpSpPr>
+          <p:cNvPr id="18" name="组合 17"/>
+          <p:cNvGrpSpPr/>
           <p:nvPr/>
         </p:nvGrpSpPr>
-        <p:grpSpPr bwMode="auto">
+        <p:grpSpPr>
           <a:xfrm>
-            <a:off x="-7331756" y="6464178"/>
-            <a:ext cx="7061200" cy="5257801"/>
-            <a:chOff x="3033713" y="-4183063"/>
-            <a:chExt cx="7061071" cy="5257801"/>
+            <a:off x="-9541568" y="-5413810"/>
+            <a:ext cx="9295532" cy="5082970"/>
+            <a:chOff x="-9541568" y="-5413810"/>
+            <a:chExt cx="9295532" cy="5082970"/>
           </a:xfrm>
         </p:grpSpPr>
         <p:pic>
           <p:nvPicPr>
-            <p:cNvPr id="2068" name="图片 29"/>
+            <p:cNvPr id="49" name="图片 48"/>
             <p:cNvPicPr>
               <a:picLocks noChangeAspect="1"/>
             </p:cNvPicPr>
             <p:nvPr/>
           </p:nvPicPr>
-          <p:blipFill>
-            <a:blip r:embed="rId6">
+          <p:blipFill rotWithShape="1">
+            <a:blip r:embed="rId7">
               <a:extLst>
                 <a:ext uri="{28A0092B-C50C-407E-A947-70E740481C1C}">
                   <a14:useLocalDpi xmlns:a14="http://schemas.microsoft.com/office/drawing/2010/main" val="0"/>
                 </a:ext>
               </a:extLst>
             </a:blip>
-            <a:srcRect l="24687" t="15140" r="5428" b="6522"/>
-            <a:stretch>
-              <a:fillRect/>
-            </a:stretch>
+            <a:srcRect l="23328" t="23381" r="19849" b="15292"/>
+            <a:stretch/>
           </p:blipFill>
-          <p:spPr bwMode="auto">
+          <p:spPr>
             <a:xfrm>
-              <a:off x="3033713" y="-4183063"/>
-              <a:ext cx="7061071" cy="5175504"/>
+              <a:off x="-9541568" y="-5413810"/>
+              <a:ext cx="9295532" cy="4937760"/>
             </a:xfrm>
             <a:prstGeom prst="rect">
               <a:avLst/>
             </a:prstGeom>
-            <a:noFill/>
-            <a:ln>
-              <a:noFill/>
-            </a:ln>
-            <a:extLst>
-              <a:ext uri="{909E8E84-426E-40DD-AFC4-6F175D3DCCD1}">
-                <a14:hiddenFill xmlns:a14="http://schemas.microsoft.com/office/drawing/2010/main">
-                  <a:solidFill>
-                    <a:srgbClr val="FFFFFF"/>
-                  </a:solidFill>
-                </a14:hiddenFill>
-              </a:ext>
-              <a:ext uri="{91240B29-F687-4F45-9708-019B960494DF}">
-                <a14:hiddenLine xmlns:a14="http://schemas.microsoft.com/office/drawing/2010/main" w="9525">
-                  <a:solidFill>
-                    <a:srgbClr val="000000"/>
-                  </a:solidFill>
-                  <a:miter lim="800000"/>
-                  <a:headEnd/>
-                  <a:tailEnd/>
-                </a14:hiddenLine>
-              </a:ext>
-            </a:extLst>
           </p:spPr>
         </p:pic>
         <p:sp>
           <p:nvSpPr>
-            <p:cNvPr id="20" name="矩形 19"/>
+            <p:cNvPr id="54" name="矩形 53"/>
             <p:cNvSpPr/>
             <p:nvPr/>
           </p:nvSpPr>
           <p:spPr bwMode="auto">
             <a:xfrm>
-              <a:off x="4456087" y="-2755900"/>
-              <a:ext cx="4221086" cy="2352675"/>
+              <a:off x="-7688968" y="-4823345"/>
+              <a:ext cx="5590332" cy="3094452"/>
             </a:xfrm>
             <a:prstGeom prst="rect">
               <a:avLst/>
@@ -4874,7 +5915,7 @@
         </p:sp>
         <p:sp>
           <p:nvSpPr>
-            <p:cNvPr id="2070" name="TextBox 20"/>
+            <p:cNvPr id="56" name="TextBox 18"/>
             <p:cNvSpPr txBox="1">
               <a:spLocks noChangeArrowheads="1"/>
             </p:cNvSpPr>
@@ -4882,8 +5923,8 @@
           </p:nvSpPr>
           <p:spPr bwMode="auto">
             <a:xfrm>
-              <a:off x="8501063" y="-1257300"/>
-              <a:ext cx="1411287" cy="1016000"/>
+              <a:off x="-9510164" y="-3784119"/>
+              <a:ext cx="1971792" cy="1016000"/>
             </a:xfrm>
             <a:prstGeom prst="rect">
               <a:avLst/>
@@ -5026,14 +6067,14 @@
             <a:p>
               <a:pPr eaLnBrk="1" hangingPunct="1"/>
               <a:r>
-                <a:rPr lang="en-US" altLang="zh-CN" sz="6000" b="1">
+                <a:rPr lang="en-US" altLang="zh-CN" sz="6000" b="1" dirty="0">
                   <a:solidFill>
                     <a:srgbClr val="FF0000"/>
                   </a:solidFill>
                 </a:rPr>
-                <a:t>CC</a:t>
+                <a:t>SLF</a:t>
               </a:r>
-              <a:endParaRPr lang="zh-CN" altLang="en-US" sz="6000" b="1">
+              <a:endParaRPr lang="zh-CN" altLang="en-US" sz="6000" b="1" dirty="0">
                 <a:solidFill>
                   <a:srgbClr val="FF0000"/>
                 </a:solidFill>
@@ -5043,7 +6084,7 @@
         </p:sp>
         <p:sp>
           <p:nvSpPr>
-            <p:cNvPr id="2071" name="TextBox 21"/>
+            <p:cNvPr id="57" name="TextBox 15"/>
             <p:cNvSpPr txBox="1">
               <a:spLocks noChangeArrowheads="1"/>
             </p:cNvSpPr>
@@ -5051,8 +6092,8 @@
           </p:nvSpPr>
           <p:spPr bwMode="auto">
             <a:xfrm>
-              <a:off x="6149975" y="-3779838"/>
-              <a:ext cx="1531938" cy="1016000"/>
+              <a:off x="-5293096" y="-5291856"/>
+              <a:ext cx="1506627" cy="1016000"/>
             </a:xfrm>
             <a:prstGeom prst="rect">
               <a:avLst/>
@@ -5195,14 +6236,14 @@
             <a:p>
               <a:pPr eaLnBrk="1" hangingPunct="1"/>
               <a:r>
-                <a:rPr lang="en-US" altLang="zh-CN" sz="6000" b="1">
+                <a:rPr lang="en-US" altLang="zh-CN" sz="6000" b="1" dirty="0">
                   <a:solidFill>
                     <a:srgbClr val="FF0000"/>
                   </a:solidFill>
                 </a:rPr>
                 <a:t>CR</a:t>
               </a:r>
-              <a:endParaRPr lang="zh-CN" altLang="en-US" sz="6000" b="1">
+              <a:endParaRPr lang="zh-CN" altLang="en-US" sz="6000" b="1" dirty="0">
                 <a:solidFill>
                   <a:srgbClr val="FF0000"/>
                 </a:solidFill>
@@ -5212,7 +6253,7 @@
         </p:sp>
         <p:sp>
           <p:nvSpPr>
-            <p:cNvPr id="2072" name="TextBox 22"/>
+            <p:cNvPr id="58" name="TextBox 14"/>
             <p:cNvSpPr txBox="1">
               <a:spLocks noChangeArrowheads="1"/>
             </p:cNvSpPr>
@@ -5220,8 +6261,8 @@
           </p:nvSpPr>
           <p:spPr bwMode="auto">
             <a:xfrm>
-              <a:off x="3059113" y="-1928813"/>
-              <a:ext cx="2092325" cy="1016000"/>
+              <a:off x="-1965398" y="-2193924"/>
+              <a:ext cx="1385970" cy="1014412"/>
             </a:xfrm>
             <a:prstGeom prst="rect">
               <a:avLst/>
@@ -5364,14 +6405,14 @@
             <a:p>
               <a:pPr eaLnBrk="1" hangingPunct="1"/>
               <a:r>
-                <a:rPr lang="en-US" altLang="zh-CN" sz="6000" b="1">
+                <a:rPr lang="en-US" altLang="zh-CN" sz="6000" b="1" dirty="0">
                   <a:solidFill>
                     <a:srgbClr val="FF0000"/>
                   </a:solidFill>
                 </a:rPr>
-                <a:t>SLF</a:t>
+                <a:t>CC</a:t>
               </a:r>
-              <a:endParaRPr lang="zh-CN" altLang="en-US" sz="6000" b="1">
+              <a:endParaRPr lang="zh-CN" altLang="en-US" sz="6000" b="1" dirty="0">
                 <a:solidFill>
                   <a:srgbClr val="FF0000"/>
                 </a:solidFill>
@@ -5381,7 +6422,7 @@
         </p:sp>
         <p:sp>
           <p:nvSpPr>
-            <p:cNvPr id="2073" name="TextBox 28"/>
+            <p:cNvPr id="63" name="TextBox 28"/>
             <p:cNvSpPr txBox="1">
               <a:spLocks noChangeArrowheads="1"/>
             </p:cNvSpPr>
@@ -5389,8 +6430,8 @@
           </p:nvSpPr>
           <p:spPr bwMode="auto">
             <a:xfrm>
-              <a:off x="3084513" y="-125413"/>
-              <a:ext cx="754062" cy="1200151"/>
+              <a:off x="-9541568" y="-1530991"/>
+              <a:ext cx="754076" cy="1200151"/>
             </a:xfrm>
             <a:prstGeom prst="rect">
               <a:avLst/>
@@ -5533,14 +6574,14 @@
             <a:p>
               <a:pPr eaLnBrk="1" hangingPunct="1"/>
               <a:r>
-                <a:rPr lang="en-US" altLang="zh-CN" sz="7200" b="1">
+                <a:rPr lang="en-US" altLang="zh-CN" sz="7200" b="1" dirty="0">
                   <a:solidFill>
                     <a:schemeClr val="bg1"/>
                   </a:solidFill>
                 </a:rPr>
                 <a:t>c</a:t>
               </a:r>
-              <a:endParaRPr lang="zh-CN" altLang="en-US" sz="7200" b="1">
+              <a:endParaRPr lang="zh-CN" altLang="en-US" sz="7200" b="1" dirty="0">
                 <a:solidFill>
                   <a:schemeClr val="bg1"/>
                 </a:solidFill>
@@ -5549,433 +6590,67 @@
           </p:txBody>
         </p:sp>
       </p:grpSp>
-      <p:sp>
-        <p:nvSpPr>
-          <p:cNvPr id="2056" name="TextBox 29"/>
-          <p:cNvSpPr txBox="1">
-            <a:spLocks noChangeArrowheads="1"/>
-          </p:cNvSpPr>
-          <p:nvPr/>
-        </p:nvSpPr>
-        <p:spPr bwMode="auto">
-          <a:xfrm>
-            <a:off x="10194082" y="10764718"/>
-            <a:ext cx="754063" cy="1200150"/>
-          </a:xfrm>
-          <a:prstGeom prst="rect">
-            <a:avLst/>
-          </a:prstGeom>
-          <a:noFill/>
-          <a:ln>
-            <a:noFill/>
-          </a:ln>
-          <a:extLst>
-            <a:ext uri="{909E8E84-426E-40DD-AFC4-6F175D3DCCD1}">
-              <a14:hiddenFill xmlns:a14="http://schemas.microsoft.com/office/drawing/2010/main">
-                <a:solidFill>
-                  <a:srgbClr val="FFFFFF"/>
-                </a:solidFill>
-              </a14:hiddenFill>
-            </a:ext>
-            <a:ext uri="{91240B29-F687-4F45-9708-019B960494DF}">
-              <a14:hiddenLine xmlns:a14="http://schemas.microsoft.com/office/drawing/2010/main" w="9525">
-                <a:solidFill>
-                  <a:srgbClr val="000000"/>
-                </a:solidFill>
-                <a:miter lim="800000"/>
-                <a:headEnd/>
-                <a:tailEnd/>
-              </a14:hiddenLine>
-            </a:ext>
-          </a:extLst>
-        </p:spPr>
-        <p:txBody>
-          <a:bodyPr>
-            <a:spAutoFit/>
-          </a:bodyPr>
-          <a:lstStyle>
-            <a:lvl1pPr eaLnBrk="0" hangingPunct="0">
-              <a:defRPr>
-                <a:solidFill>
-                  <a:schemeClr val="tx1"/>
-                </a:solidFill>
-                <a:latin typeface="Arial" charset="0"/>
-                <a:ea typeface="宋体" pitchFamily="2" charset="-122"/>
-              </a:defRPr>
-            </a:lvl1pPr>
-            <a:lvl2pPr marL="742950" indent="-285750" eaLnBrk="0" hangingPunct="0">
-              <a:defRPr>
-                <a:solidFill>
-                  <a:schemeClr val="tx1"/>
-                </a:solidFill>
-                <a:latin typeface="Arial" charset="0"/>
-                <a:ea typeface="宋体" pitchFamily="2" charset="-122"/>
-              </a:defRPr>
-            </a:lvl2pPr>
-            <a:lvl3pPr marL="1143000" indent="-228600" eaLnBrk="0" hangingPunct="0">
-              <a:defRPr>
-                <a:solidFill>
-                  <a:schemeClr val="tx1"/>
-                </a:solidFill>
-                <a:latin typeface="Arial" charset="0"/>
-                <a:ea typeface="宋体" pitchFamily="2" charset="-122"/>
-              </a:defRPr>
-            </a:lvl3pPr>
-            <a:lvl4pPr marL="1600200" indent="-228600" eaLnBrk="0" hangingPunct="0">
-              <a:defRPr>
-                <a:solidFill>
-                  <a:schemeClr val="tx1"/>
-                </a:solidFill>
-                <a:latin typeface="Arial" charset="0"/>
-                <a:ea typeface="宋体" pitchFamily="2" charset="-122"/>
-              </a:defRPr>
-            </a:lvl4pPr>
-            <a:lvl5pPr marL="2057400" indent="-228600" eaLnBrk="0" hangingPunct="0">
-              <a:defRPr>
-                <a:solidFill>
-                  <a:schemeClr val="tx1"/>
-                </a:solidFill>
-                <a:latin typeface="Arial" charset="0"/>
-                <a:ea typeface="宋体" pitchFamily="2" charset="-122"/>
-              </a:defRPr>
-            </a:lvl5pPr>
-            <a:lvl6pPr marL="2514600" indent="-228600" eaLnBrk="0" fontAlgn="base" hangingPunct="0">
-              <a:spcBef>
-                <a:spcPct val="0"/>
-              </a:spcBef>
-              <a:spcAft>
-                <a:spcPct val="0"/>
-              </a:spcAft>
-              <a:defRPr>
-                <a:solidFill>
-                  <a:schemeClr val="tx1"/>
-                </a:solidFill>
-                <a:latin typeface="Arial" charset="0"/>
-                <a:ea typeface="宋体" pitchFamily="2" charset="-122"/>
-              </a:defRPr>
-            </a:lvl6pPr>
-            <a:lvl7pPr marL="2971800" indent="-228600" eaLnBrk="0" fontAlgn="base" hangingPunct="0">
-              <a:spcBef>
-                <a:spcPct val="0"/>
-              </a:spcBef>
-              <a:spcAft>
-                <a:spcPct val="0"/>
-              </a:spcAft>
-              <a:defRPr>
-                <a:solidFill>
-                  <a:schemeClr val="tx1"/>
-                </a:solidFill>
-                <a:latin typeface="Arial" charset="0"/>
-                <a:ea typeface="宋体" pitchFamily="2" charset="-122"/>
-              </a:defRPr>
-            </a:lvl7pPr>
-            <a:lvl8pPr marL="3429000" indent="-228600" eaLnBrk="0" fontAlgn="base" hangingPunct="0">
-              <a:spcBef>
-                <a:spcPct val="0"/>
-              </a:spcBef>
-              <a:spcAft>
-                <a:spcPct val="0"/>
-              </a:spcAft>
-              <a:defRPr>
-                <a:solidFill>
-                  <a:schemeClr val="tx1"/>
-                </a:solidFill>
-                <a:latin typeface="Arial" charset="0"/>
-                <a:ea typeface="宋体" pitchFamily="2" charset="-122"/>
-              </a:defRPr>
-            </a:lvl8pPr>
-            <a:lvl9pPr marL="3886200" indent="-228600" eaLnBrk="0" fontAlgn="base" hangingPunct="0">
-              <a:spcBef>
-                <a:spcPct val="0"/>
-              </a:spcBef>
-              <a:spcAft>
-                <a:spcPct val="0"/>
-              </a:spcAft>
-              <a:defRPr>
-                <a:solidFill>
-                  <a:schemeClr val="tx1"/>
-                </a:solidFill>
-                <a:latin typeface="Arial" charset="0"/>
-                <a:ea typeface="宋体" pitchFamily="2" charset="-122"/>
-              </a:defRPr>
-            </a:lvl9pPr>
-          </a:lstStyle>
-          <a:p>
-            <a:pPr eaLnBrk="1" hangingPunct="1"/>
-            <a:r>
-              <a:rPr lang="en-US" altLang="zh-CN" sz="7200" b="1" dirty="0">
-                <a:solidFill>
-                  <a:schemeClr val="bg1"/>
-                </a:solidFill>
-              </a:rPr>
-              <a:t>d</a:t>
-            </a:r>
-            <a:endParaRPr lang="zh-CN" altLang="en-US" sz="7200" b="1" dirty="0">
-              <a:solidFill>
-                <a:schemeClr val="bg1"/>
-              </a:solidFill>
-            </a:endParaRPr>
-          </a:p>
-        </p:txBody>
-      </p:sp>
-      <p:sp>
-        <p:nvSpPr>
-          <p:cNvPr id="2057" name="TextBox 30"/>
-          <p:cNvSpPr txBox="1">
-            <a:spLocks noChangeArrowheads="1"/>
-          </p:cNvSpPr>
-          <p:nvPr/>
-        </p:nvSpPr>
-        <p:spPr bwMode="auto">
-          <a:xfrm>
-            <a:off x="-10012363" y="22009100"/>
-            <a:ext cx="754063" cy="1200150"/>
-          </a:xfrm>
-          <a:prstGeom prst="rect">
-            <a:avLst/>
-          </a:prstGeom>
-          <a:noFill/>
-          <a:ln>
-            <a:noFill/>
-          </a:ln>
-          <a:extLst>
-            <a:ext uri="{909E8E84-426E-40DD-AFC4-6F175D3DCCD1}">
-              <a14:hiddenFill xmlns:a14="http://schemas.microsoft.com/office/drawing/2010/main">
-                <a:solidFill>
-                  <a:srgbClr val="FFFFFF"/>
-                </a:solidFill>
-              </a14:hiddenFill>
-            </a:ext>
-            <a:ext uri="{91240B29-F687-4F45-9708-019B960494DF}">
-              <a14:hiddenLine xmlns:a14="http://schemas.microsoft.com/office/drawing/2010/main" w="9525">
-                <a:solidFill>
-                  <a:srgbClr val="000000"/>
-                </a:solidFill>
-                <a:miter lim="800000"/>
-                <a:headEnd/>
-                <a:tailEnd/>
-              </a14:hiddenLine>
-            </a:ext>
-          </a:extLst>
-        </p:spPr>
-        <p:txBody>
-          <a:bodyPr>
-            <a:spAutoFit/>
-          </a:bodyPr>
-          <a:lstStyle>
-            <a:lvl1pPr eaLnBrk="0" hangingPunct="0">
-              <a:defRPr>
-                <a:solidFill>
-                  <a:schemeClr val="tx1"/>
-                </a:solidFill>
-                <a:latin typeface="Arial" charset="0"/>
-                <a:ea typeface="宋体" pitchFamily="2" charset="-122"/>
-              </a:defRPr>
-            </a:lvl1pPr>
-            <a:lvl2pPr marL="742950" indent="-285750" eaLnBrk="0" hangingPunct="0">
-              <a:defRPr>
-                <a:solidFill>
-                  <a:schemeClr val="tx1"/>
-                </a:solidFill>
-                <a:latin typeface="Arial" charset="0"/>
-                <a:ea typeface="宋体" pitchFamily="2" charset="-122"/>
-              </a:defRPr>
-            </a:lvl2pPr>
-            <a:lvl3pPr marL="1143000" indent="-228600" eaLnBrk="0" hangingPunct="0">
-              <a:defRPr>
-                <a:solidFill>
-                  <a:schemeClr val="tx1"/>
-                </a:solidFill>
-                <a:latin typeface="Arial" charset="0"/>
-                <a:ea typeface="宋体" pitchFamily="2" charset="-122"/>
-              </a:defRPr>
-            </a:lvl3pPr>
-            <a:lvl4pPr marL="1600200" indent="-228600" eaLnBrk="0" hangingPunct="0">
-              <a:defRPr>
-                <a:solidFill>
-                  <a:schemeClr val="tx1"/>
-                </a:solidFill>
-                <a:latin typeface="Arial" charset="0"/>
-                <a:ea typeface="宋体" pitchFamily="2" charset="-122"/>
-              </a:defRPr>
-            </a:lvl4pPr>
-            <a:lvl5pPr marL="2057400" indent="-228600" eaLnBrk="0" hangingPunct="0">
-              <a:defRPr>
-                <a:solidFill>
-                  <a:schemeClr val="tx1"/>
-                </a:solidFill>
-                <a:latin typeface="Arial" charset="0"/>
-                <a:ea typeface="宋体" pitchFamily="2" charset="-122"/>
-              </a:defRPr>
-            </a:lvl5pPr>
-            <a:lvl6pPr marL="2514600" indent="-228600" eaLnBrk="0" fontAlgn="base" hangingPunct="0">
-              <a:spcBef>
-                <a:spcPct val="0"/>
-              </a:spcBef>
-              <a:spcAft>
-                <a:spcPct val="0"/>
-              </a:spcAft>
-              <a:defRPr>
-                <a:solidFill>
-                  <a:schemeClr val="tx1"/>
-                </a:solidFill>
-                <a:latin typeface="Arial" charset="0"/>
-                <a:ea typeface="宋体" pitchFamily="2" charset="-122"/>
-              </a:defRPr>
-            </a:lvl6pPr>
-            <a:lvl7pPr marL="2971800" indent="-228600" eaLnBrk="0" fontAlgn="base" hangingPunct="0">
-              <a:spcBef>
-                <a:spcPct val="0"/>
-              </a:spcBef>
-              <a:spcAft>
-                <a:spcPct val="0"/>
-              </a:spcAft>
-              <a:defRPr>
-                <a:solidFill>
-                  <a:schemeClr val="tx1"/>
-                </a:solidFill>
-                <a:latin typeface="Arial" charset="0"/>
-                <a:ea typeface="宋体" pitchFamily="2" charset="-122"/>
-              </a:defRPr>
-            </a:lvl7pPr>
-            <a:lvl8pPr marL="3429000" indent="-228600" eaLnBrk="0" fontAlgn="base" hangingPunct="0">
-              <a:spcBef>
-                <a:spcPct val="0"/>
-              </a:spcBef>
-              <a:spcAft>
-                <a:spcPct val="0"/>
-              </a:spcAft>
-              <a:defRPr>
-                <a:solidFill>
-                  <a:schemeClr val="tx1"/>
-                </a:solidFill>
-                <a:latin typeface="Arial" charset="0"/>
-                <a:ea typeface="宋体" pitchFamily="2" charset="-122"/>
-              </a:defRPr>
-            </a:lvl8pPr>
-            <a:lvl9pPr marL="3886200" indent="-228600" eaLnBrk="0" fontAlgn="base" hangingPunct="0">
-              <a:spcBef>
-                <a:spcPct val="0"/>
-              </a:spcBef>
-              <a:spcAft>
-                <a:spcPct val="0"/>
-              </a:spcAft>
-              <a:defRPr>
-                <a:solidFill>
-                  <a:schemeClr val="tx1"/>
-                </a:solidFill>
-                <a:latin typeface="Arial" charset="0"/>
-                <a:ea typeface="宋体" pitchFamily="2" charset="-122"/>
-              </a:defRPr>
-            </a:lvl9pPr>
-          </a:lstStyle>
-          <a:p>
-            <a:pPr eaLnBrk="1" hangingPunct="1"/>
-            <a:r>
-              <a:rPr lang="en-US" altLang="zh-CN" sz="7200" b="1">
-                <a:solidFill>
-                  <a:schemeClr val="bg1"/>
-                </a:solidFill>
-              </a:rPr>
-              <a:t>e</a:t>
-            </a:r>
-            <a:endParaRPr lang="zh-CN" altLang="en-US" sz="7200" b="1">
-              <a:solidFill>
-                <a:schemeClr val="bg1"/>
-              </a:solidFill>
-            </a:endParaRPr>
-          </a:p>
-        </p:txBody>
-      </p:sp>
-      <p:sp>
-        <p:nvSpPr>
-          <p:cNvPr id="23" name="矩形 22"/>
-          <p:cNvSpPr/>
-          <p:nvPr/>
-        </p:nvSpPr>
-        <p:spPr bwMode="auto">
-          <a:xfrm>
-            <a:off x="21393895" y="2949456"/>
-            <a:ext cx="2243138" cy="2444750"/>
-          </a:xfrm>
-          <a:prstGeom prst="rect">
-            <a:avLst/>
-          </a:prstGeom>
-          <a:noFill/>
-          <a:ln w="76200">
-            <a:solidFill>
-              <a:schemeClr val="bg1"/>
-            </a:solidFill>
-            <a:prstDash val="sysDash"/>
-          </a:ln>
-        </p:spPr>
-        <p:style>
-          <a:lnRef idx="2">
-            <a:schemeClr val="accent1">
-              <a:shade val="50000"/>
-            </a:schemeClr>
-          </a:lnRef>
-          <a:fillRef idx="1">
-            <a:schemeClr val="accent1"/>
-          </a:fillRef>
-          <a:effectRef idx="0">
-            <a:schemeClr val="accent1"/>
-          </a:effectRef>
-          <a:fontRef idx="minor">
-            <a:schemeClr val="lt1"/>
-          </a:fontRef>
-        </p:style>
-        <p:txBody>
-          <a:bodyPr anchor="ctr"/>
-          <a:lstStyle/>
-          <a:p>
-            <a:pPr algn="ctr">
-              <a:defRPr/>
-            </a:pPr>
-            <a:endParaRPr lang="zh-CN" altLang="en-US">
-              <a:solidFill>
-                <a:schemeClr val="bg1"/>
-              </a:solidFill>
-            </a:endParaRPr>
-          </a:p>
-        </p:txBody>
-      </p:sp>
       <p:grpSp>
         <p:nvGrpSpPr>
-          <p:cNvPr id="2059" name="组合 6"/>
-          <p:cNvGrpSpPr>
-            <a:grpSpLocks/>
-          </p:cNvGrpSpPr>
+          <p:cNvPr id="19" name="组合 18"/>
+          <p:cNvGrpSpPr/>
           <p:nvPr/>
         </p:nvGrpSpPr>
-        <p:grpSpPr bwMode="auto">
+        <p:grpSpPr>
           <a:xfrm>
-            <a:off x="-607106" y="1087436"/>
-            <a:ext cx="1052512" cy="1079500"/>
-            <a:chOff x="13517876" y="-3123382"/>
-            <a:chExt cx="1052778" cy="1079292"/>
+            <a:off x="407757" y="-5413810"/>
+            <a:ext cx="9306277" cy="5082970"/>
+            <a:chOff x="407757" y="-5413810"/>
+            <a:chExt cx="9306277" cy="5082970"/>
           </a:xfrm>
         </p:grpSpPr>
-        <p:sp>
-          <p:nvSpPr>
-            <p:cNvPr id="6" name="矩形 5"/>
-            <p:cNvSpPr/>
+        <p:pic>
+          <p:nvPicPr>
+            <p:cNvPr id="50" name="图片 49"/>
+            <p:cNvPicPr>
+              <a:picLocks noChangeAspect="1"/>
+            </p:cNvPicPr>
             <p:nvPr/>
-          </p:nvSpPr>
+          </p:nvPicPr>
+          <p:blipFill rotWithShape="1">
+            <a:blip r:embed="rId8">
+              <a:extLst>
+                <a:ext uri="{28A0092B-C50C-407E-A947-70E740481C1C}">
+                  <a14:useLocalDpi xmlns:a14="http://schemas.microsoft.com/office/drawing/2010/main" val="0"/>
+                </a:ext>
+              </a:extLst>
+            </a:blip>
+            <a:srcRect l="23454" t="23472" r="19717" b="15130"/>
+            <a:stretch/>
+          </p:blipFill>
           <p:spPr>
             <a:xfrm>
-              <a:off x="13517876" y="-3123382"/>
-              <a:ext cx="1052778" cy="1052309"/>
+              <a:off x="428220" y="-5413810"/>
+              <a:ext cx="9285814" cy="4937760"/>
             </a:xfrm>
             <a:prstGeom prst="rect">
               <a:avLst/>
             </a:prstGeom>
-            <a:solidFill>
-              <a:schemeClr val="bg1"/>
-            </a:solidFill>
-            <a:ln>
+          </p:spPr>
+        </p:pic>
+        <p:sp>
+          <p:nvSpPr>
+            <p:cNvPr id="55" name="矩形 54"/>
+            <p:cNvSpPr/>
+            <p:nvPr/>
+          </p:nvSpPr>
+          <p:spPr bwMode="auto">
+            <a:xfrm>
+              <a:off x="2304536" y="-4842395"/>
+              <a:ext cx="5590332" cy="3094452"/>
+            </a:xfrm>
+            <a:prstGeom prst="rect">
+              <a:avLst/>
+            </a:prstGeom>
+            <a:noFill/>
+            <a:ln w="76200">
               <a:solidFill>
-                <a:schemeClr val="bg1"/>
+                <a:srgbClr val="FF0000"/>
               </a:solidFill>
             </a:ln>
           </p:spPr>
@@ -6006,360 +6681,683 @@
             </a:p>
           </p:txBody>
         </p:sp>
-        <p:grpSp>
-          <p:nvGrpSpPr>
-            <p:cNvPr id="2062" name="组合 3"/>
-            <p:cNvGrpSpPr>
-              <a:grpSpLocks/>
-            </p:cNvGrpSpPr>
+        <p:sp>
+          <p:nvSpPr>
+            <p:cNvPr id="59" name="TextBox 18"/>
+            <p:cNvSpPr txBox="1">
+              <a:spLocks noChangeArrowheads="1"/>
+            </p:cNvSpPr>
             <p:nvPr/>
-          </p:nvGrpSpPr>
-          <p:grpSpPr bwMode="auto">
+          </p:nvSpPr>
+          <p:spPr bwMode="auto">
             <a:xfrm>
-              <a:off x="13573000" y="-3123382"/>
-              <a:ext cx="942530" cy="1079292"/>
-              <a:chOff x="14224282" y="2808312"/>
-              <a:chExt cx="5234192" cy="5993904"/>
+              <a:off x="1691680" y="-4203848"/>
+              <a:ext cx="1971792" cy="1016000"/>
             </a:xfrm>
-          </p:grpSpPr>
-          <p:sp>
-            <p:nvSpPr>
-              <p:cNvPr id="2" name="椭圆 1"/>
-              <p:cNvSpPr/>
-              <p:nvPr/>
-            </p:nvSpPr>
-            <p:spPr>
-              <a:xfrm>
-                <a:off x="15928700" y="4967878"/>
-                <a:ext cx="1772447" cy="1771730"/>
-              </a:xfrm>
-              <a:prstGeom prst="ellipse">
-                <a:avLst/>
-              </a:prstGeom>
-              <a:solidFill>
-                <a:srgbClr val="00FF00"/>
-              </a:solidFill>
-              <a:ln>
-                <a:solidFill>
-                  <a:srgbClr val="00FF00"/>
-                </a:solidFill>
-              </a:ln>
-            </p:spPr>
-            <p:style>
-              <a:lnRef idx="2">
-                <a:schemeClr val="accent1">
-                  <a:shade val="50000"/>
-                </a:schemeClr>
-              </a:lnRef>
-              <a:fillRef idx="1">
-                <a:schemeClr val="accent1"/>
-              </a:fillRef>
-              <a:effectRef idx="0">
-                <a:schemeClr val="accent1"/>
-              </a:effectRef>
-              <a:fontRef idx="minor">
-                <a:schemeClr val="lt1"/>
-              </a:fontRef>
-            </p:style>
-            <p:txBody>
-              <a:bodyPr anchor="ctr"/>
-              <a:lstStyle/>
-              <a:p>
-                <a:pPr algn="ctr">
-                  <a:defRPr/>
-                </a:pPr>
-                <a:endParaRPr lang="zh-CN" altLang="en-US">
-                  <a:solidFill>
-                    <a:srgbClr val="00FF00"/>
-                  </a:solidFill>
-                </a:endParaRPr>
-              </a:p>
-            </p:txBody>
-          </p:sp>
-          <p:sp>
-            <p:nvSpPr>
-              <p:cNvPr id="3" name="等腰三角形 2"/>
-              <p:cNvSpPr/>
-              <p:nvPr/>
-            </p:nvSpPr>
-            <p:spPr>
-              <a:xfrm rot="-1800000">
-                <a:off x="17401330" y="4650553"/>
-                <a:ext cx="2036997" cy="1780542"/>
-              </a:xfrm>
-              <a:prstGeom prst="triangle">
-                <a:avLst/>
-              </a:prstGeom>
-              <a:solidFill>
-                <a:srgbClr val="FF0000"/>
-              </a:solidFill>
-              <a:ln>
+            <a:prstGeom prst="rect">
+              <a:avLst/>
+            </a:prstGeom>
+            <a:noFill/>
+            <a:ln>
+              <a:noFill/>
+            </a:ln>
+            <a:extLst>
+              <a:ext uri="{909E8E84-426E-40DD-AFC4-6F175D3DCCD1}">
+                <a14:hiddenFill xmlns:a14="http://schemas.microsoft.com/office/drawing/2010/main">
+                  <a:solidFill>
+                    <a:srgbClr val="FFFFFF"/>
+                  </a:solidFill>
+                </a14:hiddenFill>
+              </a:ext>
+              <a:ext uri="{91240B29-F687-4F45-9708-019B960494DF}">
+                <a14:hiddenLine xmlns:a14="http://schemas.microsoft.com/office/drawing/2010/main" w="9525">
+                  <a:solidFill>
+                    <a:srgbClr val="000000"/>
+                  </a:solidFill>
+                  <a:miter lim="800000"/>
+                  <a:headEnd/>
+                  <a:tailEnd/>
+                </a14:hiddenLine>
+              </a:ext>
+            </a:extLst>
+          </p:spPr>
+          <p:txBody>
+            <a:bodyPr>
+              <a:spAutoFit/>
+            </a:bodyPr>
+            <a:lstStyle>
+              <a:lvl1pPr eaLnBrk="0" hangingPunct="0">
+                <a:defRPr>
+                  <a:solidFill>
+                    <a:schemeClr val="tx1"/>
+                  </a:solidFill>
+                  <a:latin typeface="Arial" charset="0"/>
+                  <a:ea typeface="宋体" pitchFamily="2" charset="-122"/>
+                </a:defRPr>
+              </a:lvl1pPr>
+              <a:lvl2pPr marL="742950" indent="-285750" eaLnBrk="0" hangingPunct="0">
+                <a:defRPr>
+                  <a:solidFill>
+                    <a:schemeClr val="tx1"/>
+                  </a:solidFill>
+                  <a:latin typeface="Arial" charset="0"/>
+                  <a:ea typeface="宋体" pitchFamily="2" charset="-122"/>
+                </a:defRPr>
+              </a:lvl2pPr>
+              <a:lvl3pPr marL="1143000" indent="-228600" eaLnBrk="0" hangingPunct="0">
+                <a:defRPr>
+                  <a:solidFill>
+                    <a:schemeClr val="tx1"/>
+                  </a:solidFill>
+                  <a:latin typeface="Arial" charset="0"/>
+                  <a:ea typeface="宋体" pitchFamily="2" charset="-122"/>
+                </a:defRPr>
+              </a:lvl3pPr>
+              <a:lvl4pPr marL="1600200" indent="-228600" eaLnBrk="0" hangingPunct="0">
+                <a:defRPr>
+                  <a:solidFill>
+                    <a:schemeClr val="tx1"/>
+                  </a:solidFill>
+                  <a:latin typeface="Arial" charset="0"/>
+                  <a:ea typeface="宋体" pitchFamily="2" charset="-122"/>
+                </a:defRPr>
+              </a:lvl4pPr>
+              <a:lvl5pPr marL="2057400" indent="-228600" eaLnBrk="0" hangingPunct="0">
+                <a:defRPr>
+                  <a:solidFill>
+                    <a:schemeClr val="tx1"/>
+                  </a:solidFill>
+                  <a:latin typeface="Arial" charset="0"/>
+                  <a:ea typeface="宋体" pitchFamily="2" charset="-122"/>
+                </a:defRPr>
+              </a:lvl5pPr>
+              <a:lvl6pPr marL="2514600" indent="-228600" eaLnBrk="0" fontAlgn="base" hangingPunct="0">
+                <a:spcBef>
+                  <a:spcPct val="0"/>
+                </a:spcBef>
+                <a:spcAft>
+                  <a:spcPct val="0"/>
+                </a:spcAft>
+                <a:defRPr>
+                  <a:solidFill>
+                    <a:schemeClr val="tx1"/>
+                  </a:solidFill>
+                  <a:latin typeface="Arial" charset="0"/>
+                  <a:ea typeface="宋体" pitchFamily="2" charset="-122"/>
+                </a:defRPr>
+              </a:lvl6pPr>
+              <a:lvl7pPr marL="2971800" indent="-228600" eaLnBrk="0" fontAlgn="base" hangingPunct="0">
+                <a:spcBef>
+                  <a:spcPct val="0"/>
+                </a:spcBef>
+                <a:spcAft>
+                  <a:spcPct val="0"/>
+                </a:spcAft>
+                <a:defRPr>
+                  <a:solidFill>
+                    <a:schemeClr val="tx1"/>
+                  </a:solidFill>
+                  <a:latin typeface="Arial" charset="0"/>
+                  <a:ea typeface="宋体" pitchFamily="2" charset="-122"/>
+                </a:defRPr>
+              </a:lvl7pPr>
+              <a:lvl8pPr marL="3429000" indent="-228600" eaLnBrk="0" fontAlgn="base" hangingPunct="0">
+                <a:spcBef>
+                  <a:spcPct val="0"/>
+                </a:spcBef>
+                <a:spcAft>
+                  <a:spcPct val="0"/>
+                </a:spcAft>
+                <a:defRPr>
+                  <a:solidFill>
+                    <a:schemeClr val="tx1"/>
+                  </a:solidFill>
+                  <a:latin typeface="Arial" charset="0"/>
+                  <a:ea typeface="宋体" pitchFamily="2" charset="-122"/>
+                </a:defRPr>
+              </a:lvl8pPr>
+              <a:lvl9pPr marL="3886200" indent="-228600" eaLnBrk="0" fontAlgn="base" hangingPunct="0">
+                <a:spcBef>
+                  <a:spcPct val="0"/>
+                </a:spcBef>
+                <a:spcAft>
+                  <a:spcPct val="0"/>
+                </a:spcAft>
+                <a:defRPr>
+                  <a:solidFill>
+                    <a:schemeClr val="tx1"/>
+                  </a:solidFill>
+                  <a:latin typeface="Arial" charset="0"/>
+                  <a:ea typeface="宋体" pitchFamily="2" charset="-122"/>
+                </a:defRPr>
+              </a:lvl9pPr>
+            </a:lstStyle>
+            <a:p>
+              <a:pPr eaLnBrk="1" hangingPunct="1"/>
+              <a:r>
+                <a:rPr lang="en-US" altLang="zh-CN" sz="6000" b="1" dirty="0">
+                  <a:solidFill>
+                    <a:srgbClr val="FF0000"/>
+                  </a:solidFill>
+                </a:rPr>
+                <a:t>SLF</a:t>
+              </a:r>
+              <a:endParaRPr lang="zh-CN" altLang="en-US" sz="6000" b="1" dirty="0">
                 <a:solidFill>
                   <a:srgbClr val="FF0000"/>
                 </a:solidFill>
-              </a:ln>
-            </p:spPr>
-            <p:style>
-              <a:lnRef idx="2">
-                <a:schemeClr val="accent1">
-                  <a:shade val="50000"/>
-                </a:schemeClr>
-              </a:lnRef>
-              <a:fillRef idx="1">
-                <a:schemeClr val="accent1"/>
-              </a:fillRef>
-              <a:effectRef idx="0">
-                <a:schemeClr val="accent1"/>
-              </a:effectRef>
-              <a:fontRef idx="minor">
-                <a:schemeClr val="lt1"/>
-              </a:fontRef>
-            </p:style>
-            <p:txBody>
-              <a:bodyPr anchor="ctr"/>
-              <a:lstStyle/>
-              <a:p>
-                <a:pPr algn="ctr">
-                  <a:defRPr/>
-                </a:pPr>
-                <a:endParaRPr lang="zh-CN" altLang="en-US"/>
-              </a:p>
-            </p:txBody>
-          </p:sp>
-          <p:sp>
-            <p:nvSpPr>
-              <p:cNvPr id="41" name="等腰三角形 40"/>
-              <p:cNvSpPr/>
-              <p:nvPr/>
-            </p:nvSpPr>
-            <p:spPr>
-              <a:xfrm>
-                <a:off x="15787609" y="2808312"/>
-                <a:ext cx="2054628" cy="1771725"/>
-              </a:xfrm>
-              <a:prstGeom prst="triangle">
-                <a:avLst/>
-              </a:prstGeom>
-              <a:solidFill>
-                <a:srgbClr val="0000FF"/>
-              </a:solidFill>
-              <a:ln>
-                <a:solidFill>
-                  <a:srgbClr val="0000FF"/>
-                </a:solidFill>
-              </a:ln>
-            </p:spPr>
-            <p:style>
-              <a:lnRef idx="2">
-                <a:schemeClr val="accent1">
-                  <a:shade val="50000"/>
-                </a:schemeClr>
-              </a:lnRef>
-              <a:fillRef idx="1">
-                <a:schemeClr val="accent1"/>
-              </a:fillRef>
-              <a:effectRef idx="0">
-                <a:schemeClr val="accent1"/>
-              </a:effectRef>
-              <a:fontRef idx="minor">
-                <a:schemeClr val="lt1"/>
-              </a:fontRef>
-            </p:style>
-            <p:txBody>
-              <a:bodyPr anchor="ctr"/>
-              <a:lstStyle/>
-              <a:p>
-                <a:pPr algn="ctr">
-                  <a:defRPr/>
-                </a:pPr>
-                <a:endParaRPr lang="zh-CN" altLang="en-US"/>
-              </a:p>
-            </p:txBody>
-          </p:sp>
-          <p:sp>
-            <p:nvSpPr>
-              <p:cNvPr id="42" name="等腰三角形 41"/>
-              <p:cNvSpPr/>
-              <p:nvPr/>
-            </p:nvSpPr>
-            <p:spPr>
-              <a:xfrm rot="1800000" flipH="1">
-                <a:off x="14226793" y="4650553"/>
-                <a:ext cx="2054634" cy="1780542"/>
-              </a:xfrm>
-              <a:prstGeom prst="triangle">
-                <a:avLst/>
-              </a:prstGeom>
-              <a:solidFill>
-                <a:srgbClr val="FF0000"/>
-              </a:solidFill>
-              <a:ln>
+              </a:endParaRPr>
+            </a:p>
+          </p:txBody>
+        </p:sp>
+        <p:sp>
+          <p:nvSpPr>
+            <p:cNvPr id="60" name="TextBox 14"/>
+            <p:cNvSpPr txBox="1">
+              <a:spLocks noChangeArrowheads="1"/>
+            </p:cNvSpPr>
+            <p:nvPr/>
+          </p:nvSpPr>
+          <p:spPr bwMode="auto">
+            <a:xfrm>
+              <a:off x="8237904" y="-1905892"/>
+              <a:ext cx="1385970" cy="1014412"/>
+            </a:xfrm>
+            <a:prstGeom prst="rect">
+              <a:avLst/>
+            </a:prstGeom>
+            <a:noFill/>
+            <a:ln>
+              <a:noFill/>
+            </a:ln>
+            <a:extLst>
+              <a:ext uri="{909E8E84-426E-40DD-AFC4-6F175D3DCCD1}">
+                <a14:hiddenFill xmlns:a14="http://schemas.microsoft.com/office/drawing/2010/main">
+                  <a:solidFill>
+                    <a:srgbClr val="FFFFFF"/>
+                  </a:solidFill>
+                </a14:hiddenFill>
+              </a:ext>
+              <a:ext uri="{91240B29-F687-4F45-9708-019B960494DF}">
+                <a14:hiddenLine xmlns:a14="http://schemas.microsoft.com/office/drawing/2010/main" w="9525">
+                  <a:solidFill>
+                    <a:srgbClr val="000000"/>
+                  </a:solidFill>
+                  <a:miter lim="800000"/>
+                  <a:headEnd/>
+                  <a:tailEnd/>
+                </a14:hiddenLine>
+              </a:ext>
+            </a:extLst>
+          </p:spPr>
+          <p:txBody>
+            <a:bodyPr>
+              <a:spAutoFit/>
+            </a:bodyPr>
+            <a:lstStyle>
+              <a:lvl1pPr eaLnBrk="0" hangingPunct="0">
+                <a:defRPr>
+                  <a:solidFill>
+                    <a:schemeClr val="tx1"/>
+                  </a:solidFill>
+                  <a:latin typeface="Arial" charset="0"/>
+                  <a:ea typeface="宋体" pitchFamily="2" charset="-122"/>
+                </a:defRPr>
+              </a:lvl1pPr>
+              <a:lvl2pPr marL="742950" indent="-285750" eaLnBrk="0" hangingPunct="0">
+                <a:defRPr>
+                  <a:solidFill>
+                    <a:schemeClr val="tx1"/>
+                  </a:solidFill>
+                  <a:latin typeface="Arial" charset="0"/>
+                  <a:ea typeface="宋体" pitchFamily="2" charset="-122"/>
+                </a:defRPr>
+              </a:lvl2pPr>
+              <a:lvl3pPr marL="1143000" indent="-228600" eaLnBrk="0" hangingPunct="0">
+                <a:defRPr>
+                  <a:solidFill>
+                    <a:schemeClr val="tx1"/>
+                  </a:solidFill>
+                  <a:latin typeface="Arial" charset="0"/>
+                  <a:ea typeface="宋体" pitchFamily="2" charset="-122"/>
+                </a:defRPr>
+              </a:lvl3pPr>
+              <a:lvl4pPr marL="1600200" indent="-228600" eaLnBrk="0" hangingPunct="0">
+                <a:defRPr>
+                  <a:solidFill>
+                    <a:schemeClr val="tx1"/>
+                  </a:solidFill>
+                  <a:latin typeface="Arial" charset="0"/>
+                  <a:ea typeface="宋体" pitchFamily="2" charset="-122"/>
+                </a:defRPr>
+              </a:lvl4pPr>
+              <a:lvl5pPr marL="2057400" indent="-228600" eaLnBrk="0" hangingPunct="0">
+                <a:defRPr>
+                  <a:solidFill>
+                    <a:schemeClr val="tx1"/>
+                  </a:solidFill>
+                  <a:latin typeface="Arial" charset="0"/>
+                  <a:ea typeface="宋体" pitchFamily="2" charset="-122"/>
+                </a:defRPr>
+              </a:lvl5pPr>
+              <a:lvl6pPr marL="2514600" indent="-228600" eaLnBrk="0" fontAlgn="base" hangingPunct="0">
+                <a:spcBef>
+                  <a:spcPct val="0"/>
+                </a:spcBef>
+                <a:spcAft>
+                  <a:spcPct val="0"/>
+                </a:spcAft>
+                <a:defRPr>
+                  <a:solidFill>
+                    <a:schemeClr val="tx1"/>
+                  </a:solidFill>
+                  <a:latin typeface="Arial" charset="0"/>
+                  <a:ea typeface="宋体" pitchFamily="2" charset="-122"/>
+                </a:defRPr>
+              </a:lvl6pPr>
+              <a:lvl7pPr marL="2971800" indent="-228600" eaLnBrk="0" fontAlgn="base" hangingPunct="0">
+                <a:spcBef>
+                  <a:spcPct val="0"/>
+                </a:spcBef>
+                <a:spcAft>
+                  <a:spcPct val="0"/>
+                </a:spcAft>
+                <a:defRPr>
+                  <a:solidFill>
+                    <a:schemeClr val="tx1"/>
+                  </a:solidFill>
+                  <a:latin typeface="Arial" charset="0"/>
+                  <a:ea typeface="宋体" pitchFamily="2" charset="-122"/>
+                </a:defRPr>
+              </a:lvl7pPr>
+              <a:lvl8pPr marL="3429000" indent="-228600" eaLnBrk="0" fontAlgn="base" hangingPunct="0">
+                <a:spcBef>
+                  <a:spcPct val="0"/>
+                </a:spcBef>
+                <a:spcAft>
+                  <a:spcPct val="0"/>
+                </a:spcAft>
+                <a:defRPr>
+                  <a:solidFill>
+                    <a:schemeClr val="tx1"/>
+                  </a:solidFill>
+                  <a:latin typeface="Arial" charset="0"/>
+                  <a:ea typeface="宋体" pitchFamily="2" charset="-122"/>
+                </a:defRPr>
+              </a:lvl8pPr>
+              <a:lvl9pPr marL="3886200" indent="-228600" eaLnBrk="0" fontAlgn="base" hangingPunct="0">
+                <a:spcBef>
+                  <a:spcPct val="0"/>
+                </a:spcBef>
+                <a:spcAft>
+                  <a:spcPct val="0"/>
+                </a:spcAft>
+                <a:defRPr>
+                  <a:solidFill>
+                    <a:schemeClr val="tx1"/>
+                  </a:solidFill>
+                  <a:latin typeface="Arial" charset="0"/>
+                  <a:ea typeface="宋体" pitchFamily="2" charset="-122"/>
+                </a:defRPr>
+              </a:lvl9pPr>
+            </a:lstStyle>
+            <a:p>
+              <a:pPr eaLnBrk="1" hangingPunct="1"/>
+              <a:r>
+                <a:rPr lang="en-US" altLang="zh-CN" sz="6000" b="1" dirty="0">
+                  <a:solidFill>
+                    <a:srgbClr val="FF0000"/>
+                  </a:solidFill>
+                </a:rPr>
+                <a:t>CC</a:t>
+              </a:r>
+              <a:endParaRPr lang="zh-CN" altLang="en-US" sz="6000" b="1" dirty="0">
                 <a:solidFill>
                   <a:srgbClr val="FF0000"/>
                 </a:solidFill>
-              </a:ln>
-            </p:spPr>
-            <p:style>
-              <a:lnRef idx="2">
-                <a:schemeClr val="accent1">
-                  <a:shade val="50000"/>
-                </a:schemeClr>
-              </a:lnRef>
-              <a:fillRef idx="1">
-                <a:schemeClr val="accent1"/>
-              </a:fillRef>
-              <a:effectRef idx="0">
-                <a:schemeClr val="accent1"/>
-              </a:effectRef>
-              <a:fontRef idx="minor">
-                <a:schemeClr val="lt1"/>
-              </a:fontRef>
-            </p:style>
-            <p:txBody>
-              <a:bodyPr anchor="ctr"/>
-              <a:lstStyle/>
-              <a:p>
-                <a:pPr algn="ctr">
-                  <a:defRPr/>
-                </a:pPr>
-                <a:endParaRPr lang="zh-CN" altLang="en-US"/>
-              </a:p>
-            </p:txBody>
-          </p:sp>
-          <p:sp>
-            <p:nvSpPr>
-              <p:cNvPr id="43" name="等腰三角形 42"/>
-              <p:cNvSpPr/>
-              <p:nvPr/>
-            </p:nvSpPr>
-            <p:spPr>
-              <a:xfrm flipV="1">
-                <a:off x="15787609" y="7030486"/>
-                <a:ext cx="2054628" cy="1771730"/>
-              </a:xfrm>
-              <a:prstGeom prst="triangle">
-                <a:avLst/>
-              </a:prstGeom>
-              <a:solidFill>
-                <a:srgbClr val="0000FF"/>
-              </a:solidFill>
-              <a:ln>
-                <a:solidFill>
-                  <a:srgbClr val="0000FF"/>
-                </a:solidFill>
-              </a:ln>
-            </p:spPr>
-            <p:style>
-              <a:lnRef idx="2">
-                <a:schemeClr val="accent1">
-                  <a:shade val="50000"/>
-                </a:schemeClr>
-              </a:lnRef>
-              <a:fillRef idx="1">
-                <a:schemeClr val="accent1"/>
-              </a:fillRef>
-              <a:effectRef idx="0">
-                <a:schemeClr val="accent1"/>
-              </a:effectRef>
-              <a:fontRef idx="minor">
-                <a:schemeClr val="lt1"/>
-              </a:fontRef>
-            </p:style>
-            <p:txBody>
-              <a:bodyPr anchor="ctr"/>
-              <a:lstStyle/>
-              <a:p>
-                <a:pPr algn="ctr">
-                  <a:defRPr/>
-                </a:pPr>
-                <a:endParaRPr lang="zh-CN" altLang="en-US"/>
-              </a:p>
-            </p:txBody>
-          </p:sp>
-        </p:grpSp>
-      </p:grpSp>
-      <p:sp>
-        <p:nvSpPr>
-          <p:cNvPr id="45" name="矩形 44"/>
-          <p:cNvSpPr/>
-          <p:nvPr/>
-        </p:nvSpPr>
-        <p:spPr bwMode="auto">
-          <a:xfrm>
-            <a:off x="-1260475" y="14230350"/>
-            <a:ext cx="2243138" cy="2444750"/>
-          </a:xfrm>
-          <a:prstGeom prst="rect">
-            <a:avLst/>
-          </a:prstGeom>
-          <a:noFill/>
-          <a:ln w="76200">
-            <a:solidFill>
-              <a:schemeClr val="bg1"/>
-            </a:solidFill>
-            <a:prstDash val="sysDash"/>
-          </a:ln>
-        </p:spPr>
-        <p:style>
-          <a:lnRef idx="2">
-            <a:schemeClr val="accent1">
-              <a:shade val="50000"/>
-            </a:schemeClr>
-          </a:lnRef>
-          <a:fillRef idx="1">
-            <a:schemeClr val="accent1"/>
-          </a:fillRef>
-          <a:effectRef idx="0">
-            <a:schemeClr val="accent1"/>
-          </a:effectRef>
-          <a:fontRef idx="minor">
-            <a:schemeClr val="lt1"/>
-          </a:fontRef>
-        </p:style>
-        <p:txBody>
-          <a:bodyPr anchor="ctr"/>
-          <a:lstStyle/>
-          <a:p>
-            <a:pPr algn="ctr">
-              <a:defRPr/>
-            </a:pPr>
-            <a:endParaRPr lang="zh-CN" altLang="en-US">
-              <a:solidFill>
-                <a:schemeClr val="bg1"/>
-              </a:solidFill>
-            </a:endParaRPr>
-          </a:p>
-        </p:txBody>
-      </p:sp>
-      <p:pic>
-        <p:nvPicPr>
-          <p:cNvPr id="4" name="图片 3"/>
-          <p:cNvPicPr>
-            <a:picLocks noChangeAspect="1"/>
-          </p:cNvPicPr>
-          <p:nvPr/>
-        </p:nvPicPr>
-        <p:blipFill rotWithShape="1">
-          <a:blip r:embed="rId7">
+              </a:endParaRPr>
+            </a:p>
+          </p:txBody>
+        </p:sp>
+        <p:sp>
+          <p:nvSpPr>
+            <p:cNvPr id="61" name="TextBox 15"/>
+            <p:cNvSpPr txBox="1">
+              <a:spLocks noChangeArrowheads="1"/>
+            </p:cNvSpPr>
+            <p:nvPr/>
+          </p:nvSpPr>
+          <p:spPr bwMode="auto">
+            <a:xfrm>
+              <a:off x="5508104" y="-5291856"/>
+              <a:ext cx="1506627" cy="1016000"/>
+            </a:xfrm>
+            <a:prstGeom prst="rect">
+              <a:avLst/>
+            </a:prstGeom>
+            <a:noFill/>
+            <a:ln>
+              <a:noFill/>
+            </a:ln>
             <a:extLst>
-              <a:ext uri="{28A0092B-C50C-407E-A947-70E740481C1C}">
-                <a14:useLocalDpi xmlns:a14="http://schemas.microsoft.com/office/drawing/2010/main" val="0"/>
+              <a:ext uri="{909E8E84-426E-40DD-AFC4-6F175D3DCCD1}">
+                <a14:hiddenFill xmlns:a14="http://schemas.microsoft.com/office/drawing/2010/main">
+                  <a:solidFill>
+                    <a:srgbClr val="FFFFFF"/>
+                  </a:solidFill>
+                </a14:hiddenFill>
+              </a:ext>
+              <a:ext uri="{91240B29-F687-4F45-9708-019B960494DF}">
+                <a14:hiddenLine xmlns:a14="http://schemas.microsoft.com/office/drawing/2010/main" w="9525">
+                  <a:solidFill>
+                    <a:srgbClr val="000000"/>
+                  </a:solidFill>
+                  <a:miter lim="800000"/>
+                  <a:headEnd/>
+                  <a:tailEnd/>
+                </a14:hiddenLine>
               </a:ext>
             </a:extLst>
-          </a:blip>
-          <a:srcRect l="23112" t="25075" r="22363" b="25670"/>
-          <a:stretch/>
-        </p:blipFill>
-        <p:spPr>
-          <a:xfrm>
-            <a:off x="10476656" y="12106275"/>
-            <a:ext cx="19499362" cy="11009376"/>
-          </a:xfrm>
-          <a:prstGeom prst="rect">
-            <a:avLst/>
-          </a:prstGeom>
-        </p:spPr>
-      </p:pic>
+          </p:spPr>
+          <p:txBody>
+            <a:bodyPr>
+              <a:spAutoFit/>
+            </a:bodyPr>
+            <a:lstStyle>
+              <a:lvl1pPr eaLnBrk="0" hangingPunct="0">
+                <a:defRPr>
+                  <a:solidFill>
+                    <a:schemeClr val="tx1"/>
+                  </a:solidFill>
+                  <a:latin typeface="Arial" charset="0"/>
+                  <a:ea typeface="宋体" pitchFamily="2" charset="-122"/>
+                </a:defRPr>
+              </a:lvl1pPr>
+              <a:lvl2pPr marL="742950" indent="-285750" eaLnBrk="0" hangingPunct="0">
+                <a:defRPr>
+                  <a:solidFill>
+                    <a:schemeClr val="tx1"/>
+                  </a:solidFill>
+                  <a:latin typeface="Arial" charset="0"/>
+                  <a:ea typeface="宋体" pitchFamily="2" charset="-122"/>
+                </a:defRPr>
+              </a:lvl2pPr>
+              <a:lvl3pPr marL="1143000" indent="-228600" eaLnBrk="0" hangingPunct="0">
+                <a:defRPr>
+                  <a:solidFill>
+                    <a:schemeClr val="tx1"/>
+                  </a:solidFill>
+                  <a:latin typeface="Arial" charset="0"/>
+                  <a:ea typeface="宋体" pitchFamily="2" charset="-122"/>
+                </a:defRPr>
+              </a:lvl3pPr>
+              <a:lvl4pPr marL="1600200" indent="-228600" eaLnBrk="0" hangingPunct="0">
+                <a:defRPr>
+                  <a:solidFill>
+                    <a:schemeClr val="tx1"/>
+                  </a:solidFill>
+                  <a:latin typeface="Arial" charset="0"/>
+                  <a:ea typeface="宋体" pitchFamily="2" charset="-122"/>
+                </a:defRPr>
+              </a:lvl4pPr>
+              <a:lvl5pPr marL="2057400" indent="-228600" eaLnBrk="0" hangingPunct="0">
+                <a:defRPr>
+                  <a:solidFill>
+                    <a:schemeClr val="tx1"/>
+                  </a:solidFill>
+                  <a:latin typeface="Arial" charset="0"/>
+                  <a:ea typeface="宋体" pitchFamily="2" charset="-122"/>
+                </a:defRPr>
+              </a:lvl5pPr>
+              <a:lvl6pPr marL="2514600" indent="-228600" eaLnBrk="0" fontAlgn="base" hangingPunct="0">
+                <a:spcBef>
+                  <a:spcPct val="0"/>
+                </a:spcBef>
+                <a:spcAft>
+                  <a:spcPct val="0"/>
+                </a:spcAft>
+                <a:defRPr>
+                  <a:solidFill>
+                    <a:schemeClr val="tx1"/>
+                  </a:solidFill>
+                  <a:latin typeface="Arial" charset="0"/>
+                  <a:ea typeface="宋体" pitchFamily="2" charset="-122"/>
+                </a:defRPr>
+              </a:lvl6pPr>
+              <a:lvl7pPr marL="2971800" indent="-228600" eaLnBrk="0" fontAlgn="base" hangingPunct="0">
+                <a:spcBef>
+                  <a:spcPct val="0"/>
+                </a:spcBef>
+                <a:spcAft>
+                  <a:spcPct val="0"/>
+                </a:spcAft>
+                <a:defRPr>
+                  <a:solidFill>
+                    <a:schemeClr val="tx1"/>
+                  </a:solidFill>
+                  <a:latin typeface="Arial" charset="0"/>
+                  <a:ea typeface="宋体" pitchFamily="2" charset="-122"/>
+                </a:defRPr>
+              </a:lvl7pPr>
+              <a:lvl8pPr marL="3429000" indent="-228600" eaLnBrk="0" fontAlgn="base" hangingPunct="0">
+                <a:spcBef>
+                  <a:spcPct val="0"/>
+                </a:spcBef>
+                <a:spcAft>
+                  <a:spcPct val="0"/>
+                </a:spcAft>
+                <a:defRPr>
+                  <a:solidFill>
+                    <a:schemeClr val="tx1"/>
+                  </a:solidFill>
+                  <a:latin typeface="Arial" charset="0"/>
+                  <a:ea typeface="宋体" pitchFamily="2" charset="-122"/>
+                </a:defRPr>
+              </a:lvl8pPr>
+              <a:lvl9pPr marL="3886200" indent="-228600" eaLnBrk="0" fontAlgn="base" hangingPunct="0">
+                <a:spcBef>
+                  <a:spcPct val="0"/>
+                </a:spcBef>
+                <a:spcAft>
+                  <a:spcPct val="0"/>
+                </a:spcAft>
+                <a:defRPr>
+                  <a:solidFill>
+                    <a:schemeClr val="tx1"/>
+                  </a:solidFill>
+                  <a:latin typeface="Arial" charset="0"/>
+                  <a:ea typeface="宋体" pitchFamily="2" charset="-122"/>
+                </a:defRPr>
+              </a:lvl9pPr>
+            </a:lstStyle>
+            <a:p>
+              <a:pPr eaLnBrk="1" hangingPunct="1"/>
+              <a:r>
+                <a:rPr lang="en-US" altLang="zh-CN" sz="6000" b="1" dirty="0">
+                  <a:solidFill>
+                    <a:srgbClr val="FF0000"/>
+                  </a:solidFill>
+                </a:rPr>
+                <a:t>CR</a:t>
+              </a:r>
+              <a:endParaRPr lang="zh-CN" altLang="en-US" sz="6000" b="1" dirty="0">
+                <a:solidFill>
+                  <a:srgbClr val="FF0000"/>
+                </a:solidFill>
+              </a:endParaRPr>
+            </a:p>
+          </p:txBody>
+        </p:sp>
+        <p:sp>
+          <p:nvSpPr>
+            <p:cNvPr id="64" name="TextBox 28"/>
+            <p:cNvSpPr txBox="1">
+              <a:spLocks noChangeArrowheads="1"/>
+            </p:cNvSpPr>
+            <p:nvPr/>
+          </p:nvSpPr>
+          <p:spPr bwMode="auto">
+            <a:xfrm>
+              <a:off x="407757" y="-1531169"/>
+              <a:ext cx="754076" cy="1200329"/>
+            </a:xfrm>
+            <a:prstGeom prst="rect">
+              <a:avLst/>
+            </a:prstGeom>
+            <a:noFill/>
+            <a:ln>
+              <a:noFill/>
+            </a:ln>
+            <a:extLst>
+              <a:ext uri="{909E8E84-426E-40DD-AFC4-6F175D3DCCD1}">
+                <a14:hiddenFill xmlns:a14="http://schemas.microsoft.com/office/drawing/2010/main">
+                  <a:solidFill>
+                    <a:srgbClr val="FFFFFF"/>
+                  </a:solidFill>
+                </a14:hiddenFill>
+              </a:ext>
+              <a:ext uri="{91240B29-F687-4F45-9708-019B960494DF}">
+                <a14:hiddenLine xmlns:a14="http://schemas.microsoft.com/office/drawing/2010/main" w="9525">
+                  <a:solidFill>
+                    <a:srgbClr val="000000"/>
+                  </a:solidFill>
+                  <a:miter lim="800000"/>
+                  <a:headEnd/>
+                  <a:tailEnd/>
+                </a14:hiddenLine>
+              </a:ext>
+            </a:extLst>
+          </p:spPr>
+          <p:txBody>
+            <a:bodyPr>
+              <a:spAutoFit/>
+            </a:bodyPr>
+            <a:lstStyle>
+              <a:lvl1pPr eaLnBrk="0" hangingPunct="0">
+                <a:defRPr>
+                  <a:solidFill>
+                    <a:schemeClr val="tx1"/>
+                  </a:solidFill>
+                  <a:latin typeface="Arial" charset="0"/>
+                  <a:ea typeface="宋体" pitchFamily="2" charset="-122"/>
+                </a:defRPr>
+              </a:lvl1pPr>
+              <a:lvl2pPr marL="742950" indent="-285750" eaLnBrk="0" hangingPunct="0">
+                <a:defRPr>
+                  <a:solidFill>
+                    <a:schemeClr val="tx1"/>
+                  </a:solidFill>
+                  <a:latin typeface="Arial" charset="0"/>
+                  <a:ea typeface="宋体" pitchFamily="2" charset="-122"/>
+                </a:defRPr>
+              </a:lvl2pPr>
+              <a:lvl3pPr marL="1143000" indent="-228600" eaLnBrk="0" hangingPunct="0">
+                <a:defRPr>
+                  <a:solidFill>
+                    <a:schemeClr val="tx1"/>
+                  </a:solidFill>
+                  <a:latin typeface="Arial" charset="0"/>
+                  <a:ea typeface="宋体" pitchFamily="2" charset="-122"/>
+                </a:defRPr>
+              </a:lvl3pPr>
+              <a:lvl4pPr marL="1600200" indent="-228600" eaLnBrk="0" hangingPunct="0">
+                <a:defRPr>
+                  <a:solidFill>
+                    <a:schemeClr val="tx1"/>
+                  </a:solidFill>
+                  <a:latin typeface="Arial" charset="0"/>
+                  <a:ea typeface="宋体" pitchFamily="2" charset="-122"/>
+                </a:defRPr>
+              </a:lvl4pPr>
+              <a:lvl5pPr marL="2057400" indent="-228600" eaLnBrk="0" hangingPunct="0">
+                <a:defRPr>
+                  <a:solidFill>
+                    <a:schemeClr val="tx1"/>
+                  </a:solidFill>
+                  <a:latin typeface="Arial" charset="0"/>
+                  <a:ea typeface="宋体" pitchFamily="2" charset="-122"/>
+                </a:defRPr>
+              </a:lvl5pPr>
+              <a:lvl6pPr marL="2514600" indent="-228600" eaLnBrk="0" fontAlgn="base" hangingPunct="0">
+                <a:spcBef>
+                  <a:spcPct val="0"/>
+                </a:spcBef>
+                <a:spcAft>
+                  <a:spcPct val="0"/>
+                </a:spcAft>
+                <a:defRPr>
+                  <a:solidFill>
+                    <a:schemeClr val="tx1"/>
+                  </a:solidFill>
+                  <a:latin typeface="Arial" charset="0"/>
+                  <a:ea typeface="宋体" pitchFamily="2" charset="-122"/>
+                </a:defRPr>
+              </a:lvl6pPr>
+              <a:lvl7pPr marL="2971800" indent="-228600" eaLnBrk="0" fontAlgn="base" hangingPunct="0">
+                <a:spcBef>
+                  <a:spcPct val="0"/>
+                </a:spcBef>
+                <a:spcAft>
+                  <a:spcPct val="0"/>
+                </a:spcAft>
+                <a:defRPr>
+                  <a:solidFill>
+                    <a:schemeClr val="tx1"/>
+                  </a:solidFill>
+                  <a:latin typeface="Arial" charset="0"/>
+                  <a:ea typeface="宋体" pitchFamily="2" charset="-122"/>
+                </a:defRPr>
+              </a:lvl7pPr>
+              <a:lvl8pPr marL="3429000" indent="-228600" eaLnBrk="0" fontAlgn="base" hangingPunct="0">
+                <a:spcBef>
+                  <a:spcPct val="0"/>
+                </a:spcBef>
+                <a:spcAft>
+                  <a:spcPct val="0"/>
+                </a:spcAft>
+                <a:defRPr>
+                  <a:solidFill>
+                    <a:schemeClr val="tx1"/>
+                  </a:solidFill>
+                  <a:latin typeface="Arial" charset="0"/>
+                  <a:ea typeface="宋体" pitchFamily="2" charset="-122"/>
+                </a:defRPr>
+              </a:lvl8pPr>
+              <a:lvl9pPr marL="3886200" indent="-228600" eaLnBrk="0" fontAlgn="base" hangingPunct="0">
+                <a:spcBef>
+                  <a:spcPct val="0"/>
+                </a:spcBef>
+                <a:spcAft>
+                  <a:spcPct val="0"/>
+                </a:spcAft>
+                <a:defRPr>
+                  <a:solidFill>
+                    <a:schemeClr val="tx1"/>
+                  </a:solidFill>
+                  <a:latin typeface="Arial" charset="0"/>
+                  <a:ea typeface="宋体" pitchFamily="2" charset="-122"/>
+                </a:defRPr>
+              </a:lvl9pPr>
+            </a:lstStyle>
+            <a:p>
+              <a:pPr eaLnBrk="1" hangingPunct="1"/>
+              <a:r>
+                <a:rPr lang="en-US" altLang="zh-CN" sz="7200" b="1" dirty="0">
+                  <a:solidFill>
+                    <a:schemeClr val="bg1"/>
+                  </a:solidFill>
+                </a:rPr>
+                <a:t>d</a:t>
+              </a:r>
+              <a:endParaRPr lang="zh-CN" altLang="en-US" sz="7200" b="1" dirty="0">
+                <a:solidFill>
+                  <a:schemeClr val="bg1"/>
+                </a:solidFill>
+              </a:endParaRPr>
+            </a:p>
+          </p:txBody>
+        </p:sp>
+      </p:grpSp>
     </p:spTree>
   </p:cSld>
   <p:clrMapOvr>

--- a/figure5/ppt/figure5-roi.pptx
+++ b/figure5/ppt/figure5-roi.pptx
@@ -3613,292 +3613,282 @@
           <a:chExt cx="0" cy="0"/>
         </a:xfrm>
       </p:grpSpPr>
-      <p:grpSp>
-        <p:nvGrpSpPr>
-          <p:cNvPr id="24" name="组合 23"/>
-          <p:cNvGrpSpPr/>
+      <p:pic>
+        <p:nvPicPr>
+          <p:cNvPr id="2050" name="图片 4"/>
+          <p:cNvPicPr>
+            <a:picLocks noChangeAspect="1"/>
+          </p:cNvPicPr>
           <p:nvPr/>
-        </p:nvGrpSpPr>
-        <p:grpSpPr>
+        </p:nvPicPr>
+        <p:blipFill>
+          <a:blip r:embed="rId2">
+            <a:extLst>
+              <a:ext uri="{28A0092B-C50C-407E-A947-70E740481C1C}">
+                <a14:useLocalDpi xmlns:a14="http://schemas.microsoft.com/office/drawing/2010/main" val="0"/>
+              </a:ext>
+            </a:extLst>
+          </a:blip>
+          <a:srcRect l="26411" t="29874" r="34979" b="36784"/>
+          <a:stretch>
+            <a:fillRect/>
+          </a:stretch>
+        </p:blipFill>
+        <p:spPr bwMode="auto">
           <a:xfrm>
             <a:off x="9900592" y="-10529192"/>
-            <a:ext cx="18626328" cy="11824086"/>
-            <a:chOff x="9900592" y="-10529192"/>
-            <a:chExt cx="18626328" cy="11824086"/>
+            <a:ext cx="18626328" cy="10053142"/>
           </a:xfrm>
-        </p:grpSpPr>
-        <p:pic>
-          <p:nvPicPr>
-            <p:cNvPr id="2050" name="图片 4"/>
-            <p:cNvPicPr>
-              <a:picLocks noChangeAspect="1"/>
-            </p:cNvPicPr>
-            <p:nvPr/>
-          </p:nvPicPr>
-          <p:blipFill>
-            <a:blip r:embed="rId2">
-              <a:extLst>
-                <a:ext uri="{28A0092B-C50C-407E-A947-70E740481C1C}">
-                  <a14:useLocalDpi xmlns:a14="http://schemas.microsoft.com/office/drawing/2010/main" val="0"/>
-                </a:ext>
-              </a:extLst>
-            </a:blip>
-            <a:srcRect l="26411" t="29874" r="34979" b="36784"/>
-            <a:stretch>
-              <a:fillRect/>
-            </a:stretch>
-          </p:blipFill>
-          <p:spPr bwMode="auto">
-            <a:xfrm>
-              <a:off x="9900592" y="-10529192"/>
-              <a:ext cx="18626328" cy="10053142"/>
-            </a:xfrm>
-            <a:prstGeom prst="rect">
-              <a:avLst/>
-            </a:prstGeom>
+          <a:prstGeom prst="rect">
+            <a:avLst/>
+          </a:prstGeom>
+          <a:noFill/>
+          <a:ln>
             <a:noFill/>
-            <a:ln>
-              <a:noFill/>
-            </a:ln>
-            <a:extLst>
-              <a:ext uri="{909E8E84-426E-40DD-AFC4-6F175D3DCCD1}">
-                <a14:hiddenFill xmlns:a14="http://schemas.microsoft.com/office/drawing/2010/main">
-                  <a:solidFill>
-                    <a:srgbClr val="FFFFFF"/>
-                  </a:solidFill>
-                </a14:hiddenFill>
-              </a:ext>
-              <a:ext uri="{91240B29-F687-4F45-9708-019B960494DF}">
-                <a14:hiddenLine xmlns:a14="http://schemas.microsoft.com/office/drawing/2010/main" w="9525">
-                  <a:solidFill>
-                    <a:srgbClr val="000000"/>
-                  </a:solidFill>
-                  <a:miter lim="800000"/>
-                  <a:headEnd/>
-                  <a:tailEnd/>
-                </a14:hiddenLine>
-              </a:ext>
-            </a:extLst>
-          </p:spPr>
-        </p:pic>
-        <p:sp>
-          <p:nvSpPr>
-            <p:cNvPr id="23" name="矩形 22"/>
-            <p:cNvSpPr/>
-            <p:nvPr/>
-          </p:nvSpPr>
-          <p:spPr bwMode="auto">
-            <a:xfrm>
-              <a:off x="20053720" y="-8808838"/>
-              <a:ext cx="2243138" cy="2444750"/>
-            </a:xfrm>
-            <a:prstGeom prst="rect">
-              <a:avLst/>
-            </a:prstGeom>
-            <a:noFill/>
-            <a:ln w="76200">
+          </a:ln>
+          <a:extLst>
+            <a:ext uri="{909E8E84-426E-40DD-AFC4-6F175D3DCCD1}">
+              <a14:hiddenFill xmlns:a14="http://schemas.microsoft.com/office/drawing/2010/main">
+                <a:solidFill>
+                  <a:srgbClr val="FFFFFF"/>
+                </a:solidFill>
+              </a14:hiddenFill>
+            </a:ext>
+            <a:ext uri="{91240B29-F687-4F45-9708-019B960494DF}">
+              <a14:hiddenLine xmlns:a14="http://schemas.microsoft.com/office/drawing/2010/main" w="9525">
+                <a:solidFill>
+                  <a:srgbClr val="000000"/>
+                </a:solidFill>
+                <a:miter lim="800000"/>
+                <a:headEnd/>
+                <a:tailEnd/>
+              </a14:hiddenLine>
+            </a:ext>
+          </a:extLst>
+        </p:spPr>
+      </p:pic>
+      <p:sp>
+        <p:nvSpPr>
+          <p:cNvPr id="23" name="矩形 22"/>
+          <p:cNvSpPr/>
+          <p:nvPr/>
+        </p:nvSpPr>
+        <p:spPr bwMode="auto">
+          <a:xfrm>
+            <a:off x="20053720" y="-8808838"/>
+            <a:ext cx="2243138" cy="2444750"/>
+          </a:xfrm>
+          <a:prstGeom prst="rect">
+            <a:avLst/>
+          </a:prstGeom>
+          <a:noFill/>
+          <a:ln w="76200">
+            <a:solidFill>
+              <a:schemeClr val="bg1"/>
+            </a:solidFill>
+            <a:prstDash val="sysDash"/>
+          </a:ln>
+        </p:spPr>
+        <p:style>
+          <a:lnRef idx="2">
+            <a:schemeClr val="accent1">
+              <a:shade val="50000"/>
+            </a:schemeClr>
+          </a:lnRef>
+          <a:fillRef idx="1">
+            <a:schemeClr val="accent1"/>
+          </a:fillRef>
+          <a:effectRef idx="0">
+            <a:schemeClr val="accent1"/>
+          </a:effectRef>
+          <a:fontRef idx="minor">
+            <a:schemeClr val="lt1"/>
+          </a:fontRef>
+        </p:style>
+        <p:txBody>
+          <a:bodyPr anchor="ctr"/>
+          <a:lstStyle/>
+          <a:p>
+            <a:pPr algn="ctr">
+              <a:defRPr/>
+            </a:pPr>
+            <a:endParaRPr lang="zh-CN" altLang="en-US">
               <a:solidFill>
                 <a:schemeClr val="bg1"/>
               </a:solidFill>
-              <a:prstDash val="sysDash"/>
-            </a:ln>
-          </p:spPr>
-          <p:style>
-            <a:lnRef idx="2">
-              <a:schemeClr val="accent1">
-                <a:shade val="50000"/>
-              </a:schemeClr>
-            </a:lnRef>
-            <a:fillRef idx="1">
-              <a:schemeClr val="accent1"/>
-            </a:fillRef>
-            <a:effectRef idx="0">
-              <a:schemeClr val="accent1"/>
-            </a:effectRef>
-            <a:fontRef idx="minor">
-              <a:schemeClr val="lt1"/>
-            </a:fontRef>
-          </p:style>
-          <p:txBody>
-            <a:bodyPr anchor="ctr"/>
-            <a:lstStyle/>
-            <a:p>
-              <a:pPr algn="ctr">
-                <a:defRPr/>
-              </a:pPr>
-              <a:endParaRPr lang="zh-CN" altLang="en-US">
+            </a:endParaRPr>
+          </a:p>
+        </p:txBody>
+      </p:sp>
+      <p:sp>
+        <p:nvSpPr>
+          <p:cNvPr id="35" name="TextBox 72"/>
+          <p:cNvSpPr txBox="1">
+            <a:spLocks noChangeArrowheads="1"/>
+          </p:cNvSpPr>
+          <p:nvPr/>
+        </p:nvSpPr>
+        <p:spPr bwMode="auto">
+          <a:xfrm>
+            <a:off x="13345104" y="-476050"/>
+            <a:ext cx="11737304" cy="923330"/>
+          </a:xfrm>
+          <a:prstGeom prst="rect">
+            <a:avLst/>
+          </a:prstGeom>
+          <a:noFill/>
+          <a:ln>
+            <a:noFill/>
+          </a:ln>
+          <a:extLst>
+            <a:ext uri="{909E8E84-426E-40DD-AFC4-6F175D3DCCD1}">
+              <a14:hiddenFill xmlns:a14="http://schemas.microsoft.com/office/drawing/2010/main">
                 <a:solidFill>
-                  <a:schemeClr val="bg1"/>
+                  <a:srgbClr val="FFFFFF"/>
                 </a:solidFill>
-              </a:endParaRPr>
-            </a:p>
-          </p:txBody>
-        </p:sp>
-        <p:sp>
-          <p:nvSpPr>
-            <p:cNvPr id="35" name="TextBox 72"/>
-            <p:cNvSpPr txBox="1">
-              <a:spLocks noChangeArrowheads="1"/>
-            </p:cNvSpPr>
-            <p:nvPr/>
-          </p:nvSpPr>
-          <p:spPr bwMode="auto">
-            <a:xfrm>
-              <a:off x="16280554" y="-459432"/>
-              <a:ext cx="5866405" cy="1754326"/>
-            </a:xfrm>
-            <a:prstGeom prst="rect">
-              <a:avLst/>
-            </a:prstGeom>
-            <a:noFill/>
-            <a:ln>
-              <a:noFill/>
-            </a:ln>
-            <a:extLst>
-              <a:ext uri="{909E8E84-426E-40DD-AFC4-6F175D3DCCD1}">
-                <a14:hiddenFill xmlns:a14="http://schemas.microsoft.com/office/drawing/2010/main">
-                  <a:solidFill>
-                    <a:srgbClr val="FFFFFF"/>
-                  </a:solidFill>
-                </a14:hiddenFill>
-              </a:ext>
-              <a:ext uri="{91240B29-F687-4F45-9708-019B960494DF}">
-                <a14:hiddenLine xmlns:a14="http://schemas.microsoft.com/office/drawing/2010/main" w="9525">
-                  <a:solidFill>
-                    <a:srgbClr val="000000"/>
-                  </a:solidFill>
-                  <a:miter lim="800000"/>
-                  <a:headEnd/>
-                  <a:tailEnd/>
-                </a14:hiddenLine>
-              </a:ext>
-            </a:extLst>
-          </p:spPr>
-          <p:txBody>
-            <a:bodyPr wrap="square">
-              <a:spAutoFit/>
-            </a:bodyPr>
-            <a:lstStyle>
-              <a:lvl1pPr eaLnBrk="0" hangingPunct="0">
-                <a:defRPr>
-                  <a:solidFill>
-                    <a:schemeClr val="tx1"/>
-                  </a:solidFill>
-                  <a:latin typeface="Arial" charset="0"/>
-                  <a:ea typeface="宋体" pitchFamily="2" charset="-122"/>
-                </a:defRPr>
-              </a:lvl1pPr>
-              <a:lvl2pPr marL="742950" indent="-285750" eaLnBrk="0" hangingPunct="0">
-                <a:defRPr>
-                  <a:solidFill>
-                    <a:schemeClr val="tx1"/>
-                  </a:solidFill>
-                  <a:latin typeface="Arial" charset="0"/>
-                  <a:ea typeface="宋体" pitchFamily="2" charset="-122"/>
-                </a:defRPr>
-              </a:lvl2pPr>
-              <a:lvl3pPr marL="1143000" indent="-228600" eaLnBrk="0" hangingPunct="0">
-                <a:defRPr>
-                  <a:solidFill>
-                    <a:schemeClr val="tx1"/>
-                  </a:solidFill>
-                  <a:latin typeface="Arial" charset="0"/>
-                  <a:ea typeface="宋体" pitchFamily="2" charset="-122"/>
-                </a:defRPr>
-              </a:lvl3pPr>
-              <a:lvl4pPr marL="1600200" indent="-228600" eaLnBrk="0" hangingPunct="0">
-                <a:defRPr>
-                  <a:solidFill>
-                    <a:schemeClr val="tx1"/>
-                  </a:solidFill>
-                  <a:latin typeface="Arial" charset="0"/>
-                  <a:ea typeface="宋体" pitchFamily="2" charset="-122"/>
-                </a:defRPr>
-              </a:lvl4pPr>
-              <a:lvl5pPr marL="2057400" indent="-228600" eaLnBrk="0" hangingPunct="0">
-                <a:defRPr>
-                  <a:solidFill>
-                    <a:schemeClr val="tx1"/>
-                  </a:solidFill>
-                  <a:latin typeface="Arial" charset="0"/>
-                  <a:ea typeface="宋体" pitchFamily="2" charset="-122"/>
-                </a:defRPr>
-              </a:lvl5pPr>
-              <a:lvl6pPr marL="2514600" indent="-228600" eaLnBrk="0" fontAlgn="base" hangingPunct="0">
-                <a:spcBef>
-                  <a:spcPct val="0"/>
-                </a:spcBef>
-                <a:spcAft>
-                  <a:spcPct val="0"/>
-                </a:spcAft>
-                <a:defRPr>
-                  <a:solidFill>
-                    <a:schemeClr val="tx1"/>
-                  </a:solidFill>
-                  <a:latin typeface="Arial" charset="0"/>
-                  <a:ea typeface="宋体" pitchFamily="2" charset="-122"/>
-                </a:defRPr>
-              </a:lvl6pPr>
-              <a:lvl7pPr marL="2971800" indent="-228600" eaLnBrk="0" fontAlgn="base" hangingPunct="0">
-                <a:spcBef>
-                  <a:spcPct val="0"/>
-                </a:spcBef>
-                <a:spcAft>
-                  <a:spcPct val="0"/>
-                </a:spcAft>
-                <a:defRPr>
-                  <a:solidFill>
-                    <a:schemeClr val="tx1"/>
-                  </a:solidFill>
-                  <a:latin typeface="Arial" charset="0"/>
-                  <a:ea typeface="宋体" pitchFamily="2" charset="-122"/>
-                </a:defRPr>
-              </a:lvl7pPr>
-              <a:lvl8pPr marL="3429000" indent="-228600" eaLnBrk="0" fontAlgn="base" hangingPunct="0">
-                <a:spcBef>
-                  <a:spcPct val="0"/>
-                </a:spcBef>
-                <a:spcAft>
-                  <a:spcPct val="0"/>
-                </a:spcAft>
-                <a:defRPr>
-                  <a:solidFill>
-                    <a:schemeClr val="tx1"/>
-                  </a:solidFill>
-                  <a:latin typeface="Arial" charset="0"/>
-                  <a:ea typeface="宋体" pitchFamily="2" charset="-122"/>
-                </a:defRPr>
-              </a:lvl8pPr>
-              <a:lvl9pPr marL="3886200" indent="-228600" eaLnBrk="0" fontAlgn="base" hangingPunct="0">
-                <a:spcBef>
-                  <a:spcPct val="0"/>
-                </a:spcBef>
-                <a:spcAft>
-                  <a:spcPct val="0"/>
-                </a:spcAft>
-                <a:defRPr>
-                  <a:solidFill>
-                    <a:schemeClr val="tx1"/>
-                  </a:solidFill>
-                  <a:latin typeface="Arial" charset="0"/>
-                  <a:ea typeface="宋体" pitchFamily="2" charset="-122"/>
-                </a:defRPr>
-              </a:lvl9pPr>
-            </a:lstStyle>
-            <a:p>
-              <a:pPr algn="ctr" eaLnBrk="1" hangingPunct="1"/>
-              <a:r>
-                <a:rPr lang="en-US" altLang="zh-CN" sz="5400" b="1" dirty="0" smtClean="0"/>
-                <a:t>(e) DSI-11 </a:t>
-              </a:r>
-              <a:r>
-                <a:rPr lang="en-US" altLang="zh-CN" sz="5400" b="1" dirty="0"/>
-                <a:t>Ex Vivo</a:t>
-              </a:r>
-            </a:p>
-          </p:txBody>
-        </p:sp>
-      </p:grpSp>
+              </a14:hiddenFill>
+            </a:ext>
+            <a:ext uri="{91240B29-F687-4F45-9708-019B960494DF}">
+              <a14:hiddenLine xmlns:a14="http://schemas.microsoft.com/office/drawing/2010/main" w="9525">
+                <a:solidFill>
+                  <a:srgbClr val="000000"/>
+                </a:solidFill>
+                <a:miter lim="800000"/>
+                <a:headEnd/>
+                <a:tailEnd/>
+              </a14:hiddenLine>
+            </a:ext>
+          </a:extLst>
+        </p:spPr>
+        <p:txBody>
+          <a:bodyPr wrap="square">
+            <a:spAutoFit/>
+          </a:bodyPr>
+          <a:lstStyle>
+            <a:lvl1pPr eaLnBrk="0" hangingPunct="0">
+              <a:defRPr>
+                <a:solidFill>
+                  <a:schemeClr val="tx1"/>
+                </a:solidFill>
+                <a:latin typeface="Arial" charset="0"/>
+                <a:ea typeface="宋体" pitchFamily="2" charset="-122"/>
+              </a:defRPr>
+            </a:lvl1pPr>
+            <a:lvl2pPr marL="742950" indent="-285750" eaLnBrk="0" hangingPunct="0">
+              <a:defRPr>
+                <a:solidFill>
+                  <a:schemeClr val="tx1"/>
+                </a:solidFill>
+                <a:latin typeface="Arial" charset="0"/>
+                <a:ea typeface="宋体" pitchFamily="2" charset="-122"/>
+              </a:defRPr>
+            </a:lvl2pPr>
+            <a:lvl3pPr marL="1143000" indent="-228600" eaLnBrk="0" hangingPunct="0">
+              <a:defRPr>
+                <a:solidFill>
+                  <a:schemeClr val="tx1"/>
+                </a:solidFill>
+                <a:latin typeface="Arial" charset="0"/>
+                <a:ea typeface="宋体" pitchFamily="2" charset="-122"/>
+              </a:defRPr>
+            </a:lvl3pPr>
+            <a:lvl4pPr marL="1600200" indent="-228600" eaLnBrk="0" hangingPunct="0">
+              <a:defRPr>
+                <a:solidFill>
+                  <a:schemeClr val="tx1"/>
+                </a:solidFill>
+                <a:latin typeface="Arial" charset="0"/>
+                <a:ea typeface="宋体" pitchFamily="2" charset="-122"/>
+              </a:defRPr>
+            </a:lvl4pPr>
+            <a:lvl5pPr marL="2057400" indent="-228600" eaLnBrk="0" hangingPunct="0">
+              <a:defRPr>
+                <a:solidFill>
+                  <a:schemeClr val="tx1"/>
+                </a:solidFill>
+                <a:latin typeface="Arial" charset="0"/>
+                <a:ea typeface="宋体" pitchFamily="2" charset="-122"/>
+              </a:defRPr>
+            </a:lvl5pPr>
+            <a:lvl6pPr marL="2514600" indent="-228600" eaLnBrk="0" fontAlgn="base" hangingPunct="0">
+              <a:spcBef>
+                <a:spcPct val="0"/>
+              </a:spcBef>
+              <a:spcAft>
+                <a:spcPct val="0"/>
+              </a:spcAft>
+              <a:defRPr>
+                <a:solidFill>
+                  <a:schemeClr val="tx1"/>
+                </a:solidFill>
+                <a:latin typeface="Arial" charset="0"/>
+                <a:ea typeface="宋体" pitchFamily="2" charset="-122"/>
+              </a:defRPr>
+            </a:lvl6pPr>
+            <a:lvl7pPr marL="2971800" indent="-228600" eaLnBrk="0" fontAlgn="base" hangingPunct="0">
+              <a:spcBef>
+                <a:spcPct val="0"/>
+              </a:spcBef>
+              <a:spcAft>
+                <a:spcPct val="0"/>
+              </a:spcAft>
+              <a:defRPr>
+                <a:solidFill>
+                  <a:schemeClr val="tx1"/>
+                </a:solidFill>
+                <a:latin typeface="Arial" charset="0"/>
+                <a:ea typeface="宋体" pitchFamily="2" charset="-122"/>
+              </a:defRPr>
+            </a:lvl7pPr>
+            <a:lvl8pPr marL="3429000" indent="-228600" eaLnBrk="0" fontAlgn="base" hangingPunct="0">
+              <a:spcBef>
+                <a:spcPct val="0"/>
+              </a:spcBef>
+              <a:spcAft>
+                <a:spcPct val="0"/>
+              </a:spcAft>
+              <a:defRPr>
+                <a:solidFill>
+                  <a:schemeClr val="tx1"/>
+                </a:solidFill>
+                <a:latin typeface="Arial" charset="0"/>
+                <a:ea typeface="宋体" pitchFamily="2" charset="-122"/>
+              </a:defRPr>
+            </a:lvl8pPr>
+            <a:lvl9pPr marL="3886200" indent="-228600" eaLnBrk="0" fontAlgn="base" hangingPunct="0">
+              <a:spcBef>
+                <a:spcPct val="0"/>
+              </a:spcBef>
+              <a:spcAft>
+                <a:spcPct val="0"/>
+              </a:spcAft>
+              <a:defRPr>
+                <a:solidFill>
+                  <a:schemeClr val="tx1"/>
+                </a:solidFill>
+                <a:latin typeface="Arial" charset="0"/>
+                <a:ea typeface="宋体" pitchFamily="2" charset="-122"/>
+              </a:defRPr>
+            </a:lvl9pPr>
+          </a:lstStyle>
+          <a:p>
+            <a:pPr algn="ctr" eaLnBrk="1" hangingPunct="1"/>
+            <a:r>
+              <a:rPr lang="en-US" altLang="zh-CN" sz="5400" b="1" dirty="0" smtClean="0"/>
+              <a:t>(e) DSI-11 </a:t>
+            </a:r>
+            <a:r>
+              <a:rPr lang="en-US" altLang="zh-CN" sz="5400" b="1" dirty="0"/>
+              <a:t>Ex </a:t>
+            </a:r>
+            <a:r>
+              <a:rPr lang="en-US" altLang="zh-CN" sz="5400" b="1" dirty="0" smtClean="0"/>
+              <a:t>Vivo</a:t>
+            </a:r>
+            <a:endParaRPr lang="en-US" altLang="zh-CN" sz="5400" b="1" dirty="0"/>
+          </a:p>
+        </p:txBody>
+      </p:sp>
       <p:grpSp>
         <p:nvGrpSpPr>
           <p:cNvPr id="21" name="组合 20"/>
@@ -4179,27 +4169,15 @@
               </a:r>
               <a:r>
                 <a:rPr lang="en-US" altLang="zh-CN" sz="5400" b="1" dirty="0" smtClean="0"/>
-                <a:t>DSI-11-b10k </a:t>
+                <a:t>DSI-11-Gmax225 </a:t>
               </a:r>
               <a:r>
                 <a:rPr lang="en-US" altLang="zh-CN" sz="5400" b="1" dirty="0" smtClean="0"/>
                 <a:t>In </a:t>
               </a:r>
               <a:r>
-                <a:rPr lang="en-US" altLang="zh-CN" sz="5400" b="1" dirty="0"/>
-                <a:t>Vivo (</a:t>
-              </a:r>
-              <a:r>
-                <a:rPr lang="en-US" altLang="zh-CN" sz="5400" b="1" dirty="0" err="1" smtClean="0"/>
-                <a:t>G</a:t>
-              </a:r>
-              <a:r>
-                <a:rPr lang="en-US" altLang="zh-CN" sz="5400" b="1" baseline="-25000" dirty="0" err="1" smtClean="0"/>
-                <a:t>max</a:t>
-              </a:r>
-              <a:r>
                 <a:rPr lang="en-US" altLang="zh-CN" sz="5400" b="1" dirty="0" smtClean="0"/>
-                <a:t>=225mT/m)</a:t>
+                <a:t>Vivo</a:t>
               </a:r>
               <a:endParaRPr lang="en-US" altLang="zh-CN" sz="5400" b="1" dirty="0"/>
             </a:p>
@@ -4404,23 +4382,19 @@
               <a:pPr algn="ctr" eaLnBrk="1" hangingPunct="1"/>
               <a:r>
                 <a:rPr lang="en-US" altLang="zh-CN" sz="5400" b="1" dirty="0" smtClean="0"/>
-                <a:t>(g) DSI-11-b7k </a:t>
+                <a:t>(g) </a:t>
               </a:r>
               <a:r>
                 <a:rPr lang="en-US" altLang="zh-CN" sz="5400" b="1" dirty="0" smtClean="0"/>
-                <a:t>In Vivo (</a:t>
-              </a:r>
-              <a:r>
-                <a:rPr lang="en-US" altLang="zh-CN" sz="5400" b="1" dirty="0" err="1" smtClean="0"/>
-                <a:t>G</a:t>
-              </a:r>
-              <a:r>
-                <a:rPr lang="en-US" altLang="zh-CN" sz="5400" b="1" baseline="-25000" dirty="0" err="1" smtClean="0"/>
-                <a:t>max</a:t>
+                <a:t>DSI-11-Gmax40 </a:t>
               </a:r>
               <a:r>
                 <a:rPr lang="en-US" altLang="zh-CN" sz="5400" b="1" dirty="0" smtClean="0"/>
-                <a:t>=40mT/m)</a:t>
+                <a:t>In </a:t>
+              </a:r>
+              <a:r>
+                <a:rPr lang="en-US" altLang="zh-CN" sz="5400" b="1" dirty="0" smtClean="0"/>
+                <a:t>Vivo</a:t>
               </a:r>
               <a:endParaRPr lang="en-US" altLang="zh-CN" sz="5400" b="1" dirty="0"/>
             </a:p>

--- a/figure5/ppt/figure5-roi.pptx
+++ b/figure5/ppt/figure5-roi.pptx
@@ -4165,19 +4165,7 @@
               <a:pPr algn="ctr" eaLnBrk="1" hangingPunct="1"/>
               <a:r>
                 <a:rPr lang="en-US" altLang="zh-CN" sz="5400" b="1" dirty="0" smtClean="0"/>
-                <a:t>(f) </a:t>
-              </a:r>
-              <a:r>
-                <a:rPr lang="en-US" altLang="zh-CN" sz="5400" b="1" dirty="0" smtClean="0"/>
-                <a:t>DSI-11-Gmax225 </a:t>
-              </a:r>
-              <a:r>
-                <a:rPr lang="en-US" altLang="zh-CN" sz="5400" b="1" dirty="0" smtClean="0"/>
-                <a:t>In </a:t>
-              </a:r>
-              <a:r>
-                <a:rPr lang="en-US" altLang="zh-CN" sz="5400" b="1" dirty="0" smtClean="0"/>
-                <a:t>Vivo</a:t>
+                <a:t>(f) DSI-11-Gmax225 In Vivo</a:t>
               </a:r>
               <a:endParaRPr lang="en-US" altLang="zh-CN" sz="5400" b="1" dirty="0"/>
             </a:p>
@@ -4382,19 +4370,7 @@
               <a:pPr algn="ctr" eaLnBrk="1" hangingPunct="1"/>
               <a:r>
                 <a:rPr lang="en-US" altLang="zh-CN" sz="5400" b="1" dirty="0" smtClean="0"/>
-                <a:t>(g) </a:t>
-              </a:r>
-              <a:r>
-                <a:rPr lang="en-US" altLang="zh-CN" sz="5400" b="1" dirty="0" smtClean="0"/>
-                <a:t>DSI-11-Gmax40 </a:t>
-              </a:r>
-              <a:r>
-                <a:rPr lang="en-US" altLang="zh-CN" sz="5400" b="1" dirty="0" smtClean="0"/>
-                <a:t>In </a:t>
-              </a:r>
-              <a:r>
-                <a:rPr lang="en-US" altLang="zh-CN" sz="5400" b="1" dirty="0" smtClean="0"/>
-                <a:t>Vivo</a:t>
+                <a:t>(g) DSI-11-Gmax40 In Vivo</a:t>
               </a:r>
               <a:endParaRPr lang="en-US" altLang="zh-CN" sz="5400" b="1" dirty="0"/>
             </a:p>
@@ -4456,21 +4432,73 @@
       </p:grpSp>
       <p:grpSp>
         <p:nvGrpSpPr>
-          <p:cNvPr id="16" name="组合 15"/>
-          <p:cNvGrpSpPr/>
+          <p:cNvPr id="2059" name="组合 6"/>
+          <p:cNvGrpSpPr>
+            <a:grpSpLocks/>
+          </p:cNvGrpSpPr>
           <p:nvPr/>
         </p:nvGrpSpPr>
-        <p:grpSpPr>
+        <p:grpSpPr bwMode="auto">
           <a:xfrm>
-            <a:off x="-8677472" y="-10529192"/>
-            <a:ext cx="7920880" cy="5029200"/>
-            <a:chOff x="-8677472" y="-10529192"/>
-            <a:chExt cx="7920880" cy="5029200"/>
+            <a:off x="-2609192" y="-9158831"/>
+            <a:ext cx="1852600" cy="1900103"/>
+            <a:chOff x="13517876" y="-3123382"/>
+            <a:chExt cx="1052778" cy="1079292"/>
           </a:xfrm>
         </p:grpSpPr>
+        <p:sp>
+          <p:nvSpPr>
+            <p:cNvPr id="6" name="矩形 5"/>
+            <p:cNvSpPr/>
+            <p:nvPr/>
+          </p:nvSpPr>
+          <p:spPr>
+            <a:xfrm>
+              <a:off x="13517876" y="-3123382"/>
+              <a:ext cx="1052778" cy="1052309"/>
+            </a:xfrm>
+            <a:prstGeom prst="rect">
+              <a:avLst/>
+            </a:prstGeom>
+            <a:solidFill>
+              <a:schemeClr val="bg1"/>
+            </a:solidFill>
+            <a:ln>
+              <a:solidFill>
+                <a:schemeClr val="bg1"/>
+              </a:solidFill>
+            </a:ln>
+          </p:spPr>
+          <p:style>
+            <a:lnRef idx="2">
+              <a:schemeClr val="accent1">
+                <a:shade val="50000"/>
+              </a:schemeClr>
+            </a:lnRef>
+            <a:fillRef idx="1">
+              <a:schemeClr val="accent1"/>
+            </a:fillRef>
+            <a:effectRef idx="0">
+              <a:schemeClr val="accent1"/>
+            </a:effectRef>
+            <a:fontRef idx="minor">
+              <a:schemeClr val="lt1"/>
+            </a:fontRef>
+          </p:style>
+          <p:txBody>
+            <a:bodyPr anchor="ctr"/>
+            <a:lstStyle/>
+            <a:p>
+              <a:pPr algn="ctr">
+                <a:defRPr/>
+              </a:pPr>
+              <a:endParaRPr lang="zh-CN" altLang="en-US"/>
+            </a:p>
+          </p:txBody>
+        </p:sp>
         <p:grpSp>
           <p:nvGrpSpPr>
-            <p:cNvPr id="2059" name="组合 6"/>
+            <p:cNvPr id="2062" name="组合 3"/>
             <p:cNvGrpSpPr>
               <a:grpSpLocks/>
             </p:cNvGrpSpPr>
@@ -4478,32 +4506,86 @@
           </p:nvGrpSpPr>
           <p:grpSpPr bwMode="auto">
             <a:xfrm>
-              <a:off x="-2609192" y="-9158831"/>
-              <a:ext cx="1852600" cy="1900103"/>
-              <a:chOff x="13517876" y="-3123382"/>
-              <a:chExt cx="1052778" cy="1079292"/>
+              <a:off x="13573000" y="-3123382"/>
+              <a:ext cx="942530" cy="1079292"/>
+              <a:chOff x="14224282" y="2808312"/>
+              <a:chExt cx="5234192" cy="5993904"/>
             </a:xfrm>
           </p:grpSpPr>
           <p:sp>
             <p:nvSpPr>
-              <p:cNvPr id="6" name="矩形 5"/>
+              <p:cNvPr id="2" name="椭圆 1"/>
               <p:cNvSpPr/>
               <p:nvPr/>
             </p:nvSpPr>
             <p:spPr>
               <a:xfrm>
-                <a:off x="13517876" y="-3123382"/>
-                <a:ext cx="1052778" cy="1052309"/>
+                <a:off x="15928700" y="4967878"/>
+                <a:ext cx="1772447" cy="1771730"/>
               </a:xfrm>
-              <a:prstGeom prst="rect">
+              <a:prstGeom prst="ellipse">
                 <a:avLst/>
               </a:prstGeom>
               <a:solidFill>
-                <a:schemeClr val="bg1"/>
+                <a:srgbClr val="00FF00"/>
               </a:solidFill>
               <a:ln>
                 <a:solidFill>
-                  <a:schemeClr val="bg1"/>
+                  <a:srgbClr val="00FF00"/>
+                </a:solidFill>
+              </a:ln>
+            </p:spPr>
+            <p:style>
+              <a:lnRef idx="2">
+                <a:schemeClr val="accent1">
+                  <a:shade val="50000"/>
+                </a:schemeClr>
+              </a:lnRef>
+              <a:fillRef idx="1">
+                <a:schemeClr val="accent1"/>
+              </a:fillRef>
+              <a:effectRef idx="0">
+                <a:schemeClr val="accent1"/>
+              </a:effectRef>
+              <a:fontRef idx="minor">
+                <a:schemeClr val="lt1"/>
+              </a:fontRef>
+            </p:style>
+            <p:txBody>
+              <a:bodyPr anchor="ctr"/>
+              <a:lstStyle/>
+              <a:p>
+                <a:pPr algn="ctr">
+                  <a:defRPr/>
+                </a:pPr>
+                <a:endParaRPr lang="zh-CN" altLang="en-US">
+                  <a:solidFill>
+                    <a:srgbClr val="00FF00"/>
+                  </a:solidFill>
+                </a:endParaRPr>
+              </a:p>
+            </p:txBody>
+          </p:sp>
+          <p:sp>
+            <p:nvSpPr>
+              <p:cNvPr id="3" name="等腰三角形 2"/>
+              <p:cNvSpPr/>
+              <p:nvPr/>
+            </p:nvSpPr>
+            <p:spPr>
+              <a:xfrm rot="-1800000">
+                <a:off x="17401330" y="4650553"/>
+                <a:ext cx="2036997" cy="1780542"/>
+              </a:xfrm>
+              <a:prstGeom prst="triangle">
+                <a:avLst/>
+              </a:prstGeom>
+              <a:solidFill>
+                <a:srgbClr val="FF0000"/>
+              </a:solidFill>
+              <a:ln>
+                <a:solidFill>
+                  <a:srgbClr val="FF0000"/>
                 </a:solidFill>
               </a:ln>
             </p:spPr>
@@ -4534,500 +4616,379 @@
               </a:p>
             </p:txBody>
           </p:sp>
-          <p:grpSp>
-            <p:nvGrpSpPr>
-              <p:cNvPr id="2062" name="组合 3"/>
-              <p:cNvGrpSpPr>
-                <a:grpSpLocks/>
-              </p:cNvGrpSpPr>
+          <p:sp>
+            <p:nvSpPr>
+              <p:cNvPr id="41" name="等腰三角形 40"/>
+              <p:cNvSpPr/>
               <p:nvPr/>
-            </p:nvGrpSpPr>
-            <p:grpSpPr bwMode="auto">
+            </p:nvSpPr>
+            <p:spPr>
               <a:xfrm>
-                <a:off x="13573000" y="-3123382"/>
-                <a:ext cx="942530" cy="1079292"/>
-                <a:chOff x="14224282" y="2808312"/>
-                <a:chExt cx="5234192" cy="5993904"/>
+                <a:off x="15787609" y="2808312"/>
+                <a:ext cx="2054628" cy="1771725"/>
               </a:xfrm>
-            </p:grpSpPr>
-            <p:sp>
-              <p:nvSpPr>
-                <p:cNvPr id="2" name="椭圆 1"/>
-                <p:cNvSpPr/>
-                <p:nvPr/>
-              </p:nvSpPr>
-              <p:spPr>
-                <a:xfrm>
-                  <a:off x="15928700" y="4967878"/>
-                  <a:ext cx="1772447" cy="1771730"/>
-                </a:xfrm>
-                <a:prstGeom prst="ellipse">
-                  <a:avLst/>
-                </a:prstGeom>
+              <a:prstGeom prst="triangle">
+                <a:avLst/>
+              </a:prstGeom>
+              <a:solidFill>
+                <a:srgbClr val="0000FF"/>
+              </a:solidFill>
+              <a:ln>
                 <a:solidFill>
-                  <a:srgbClr val="00FF00"/>
+                  <a:srgbClr val="0000FF"/>
                 </a:solidFill>
-                <a:ln>
-                  <a:solidFill>
-                    <a:srgbClr val="00FF00"/>
-                  </a:solidFill>
-                </a:ln>
-              </p:spPr>
-              <p:style>
-                <a:lnRef idx="2">
-                  <a:schemeClr val="accent1">
-                    <a:shade val="50000"/>
-                  </a:schemeClr>
-                </a:lnRef>
-                <a:fillRef idx="1">
-                  <a:schemeClr val="accent1"/>
-                </a:fillRef>
-                <a:effectRef idx="0">
-                  <a:schemeClr val="accent1"/>
-                </a:effectRef>
-                <a:fontRef idx="minor">
-                  <a:schemeClr val="lt1"/>
-                </a:fontRef>
-              </p:style>
-              <p:txBody>
-                <a:bodyPr anchor="ctr"/>
-                <a:lstStyle/>
-                <a:p>
-                  <a:pPr algn="ctr">
-                    <a:defRPr/>
-                  </a:pPr>
-                  <a:endParaRPr lang="zh-CN" altLang="en-US">
-                    <a:solidFill>
-                      <a:srgbClr val="00FF00"/>
-                    </a:solidFill>
-                  </a:endParaRPr>
-                </a:p>
-              </p:txBody>
-            </p:sp>
-            <p:sp>
-              <p:nvSpPr>
-                <p:cNvPr id="3" name="等腰三角形 2"/>
-                <p:cNvSpPr/>
-                <p:nvPr/>
-              </p:nvSpPr>
-              <p:spPr>
-                <a:xfrm rot="-1800000">
-                  <a:off x="17401330" y="4650553"/>
-                  <a:ext cx="2036997" cy="1780542"/>
-                </a:xfrm>
-                <a:prstGeom prst="triangle">
-                  <a:avLst/>
-                </a:prstGeom>
+              </a:ln>
+            </p:spPr>
+            <p:style>
+              <a:lnRef idx="2">
+                <a:schemeClr val="accent1">
+                  <a:shade val="50000"/>
+                </a:schemeClr>
+              </a:lnRef>
+              <a:fillRef idx="1">
+                <a:schemeClr val="accent1"/>
+              </a:fillRef>
+              <a:effectRef idx="0">
+                <a:schemeClr val="accent1"/>
+              </a:effectRef>
+              <a:fontRef idx="minor">
+                <a:schemeClr val="lt1"/>
+              </a:fontRef>
+            </p:style>
+            <p:txBody>
+              <a:bodyPr anchor="ctr"/>
+              <a:lstStyle/>
+              <a:p>
+                <a:pPr algn="ctr">
+                  <a:defRPr/>
+                </a:pPr>
+                <a:endParaRPr lang="zh-CN" altLang="en-US"/>
+              </a:p>
+            </p:txBody>
+          </p:sp>
+          <p:sp>
+            <p:nvSpPr>
+              <p:cNvPr id="42" name="等腰三角形 41"/>
+              <p:cNvSpPr/>
+              <p:nvPr/>
+            </p:nvSpPr>
+            <p:spPr>
+              <a:xfrm rot="1800000" flipH="1">
+                <a:off x="14226793" y="4650553"/>
+                <a:ext cx="2054634" cy="1780542"/>
+              </a:xfrm>
+              <a:prstGeom prst="triangle">
+                <a:avLst/>
+              </a:prstGeom>
+              <a:solidFill>
+                <a:srgbClr val="FF0000"/>
+              </a:solidFill>
+              <a:ln>
                 <a:solidFill>
                   <a:srgbClr val="FF0000"/>
                 </a:solidFill>
-                <a:ln>
-                  <a:solidFill>
-                    <a:srgbClr val="FF0000"/>
-                  </a:solidFill>
-                </a:ln>
-              </p:spPr>
-              <p:style>
-                <a:lnRef idx="2">
-                  <a:schemeClr val="accent1">
-                    <a:shade val="50000"/>
-                  </a:schemeClr>
-                </a:lnRef>
-                <a:fillRef idx="1">
-                  <a:schemeClr val="accent1"/>
-                </a:fillRef>
-                <a:effectRef idx="0">
-                  <a:schemeClr val="accent1"/>
-                </a:effectRef>
-                <a:fontRef idx="minor">
-                  <a:schemeClr val="lt1"/>
-                </a:fontRef>
-              </p:style>
-              <p:txBody>
-                <a:bodyPr anchor="ctr"/>
-                <a:lstStyle/>
-                <a:p>
-                  <a:pPr algn="ctr">
-                    <a:defRPr/>
-                  </a:pPr>
-                  <a:endParaRPr lang="zh-CN" altLang="en-US"/>
-                </a:p>
-              </p:txBody>
-            </p:sp>
-            <p:sp>
-              <p:nvSpPr>
-                <p:cNvPr id="41" name="等腰三角形 40"/>
-                <p:cNvSpPr/>
-                <p:nvPr/>
-              </p:nvSpPr>
-              <p:spPr>
-                <a:xfrm>
-                  <a:off x="15787609" y="2808312"/>
-                  <a:ext cx="2054628" cy="1771725"/>
-                </a:xfrm>
-                <a:prstGeom prst="triangle">
-                  <a:avLst/>
-                </a:prstGeom>
+              </a:ln>
+            </p:spPr>
+            <p:style>
+              <a:lnRef idx="2">
+                <a:schemeClr val="accent1">
+                  <a:shade val="50000"/>
+                </a:schemeClr>
+              </a:lnRef>
+              <a:fillRef idx="1">
+                <a:schemeClr val="accent1"/>
+              </a:fillRef>
+              <a:effectRef idx="0">
+                <a:schemeClr val="accent1"/>
+              </a:effectRef>
+              <a:fontRef idx="minor">
+                <a:schemeClr val="lt1"/>
+              </a:fontRef>
+            </p:style>
+            <p:txBody>
+              <a:bodyPr anchor="ctr"/>
+              <a:lstStyle/>
+              <a:p>
+                <a:pPr algn="ctr">
+                  <a:defRPr/>
+                </a:pPr>
+                <a:endParaRPr lang="zh-CN" altLang="en-US"/>
+              </a:p>
+            </p:txBody>
+          </p:sp>
+          <p:sp>
+            <p:nvSpPr>
+              <p:cNvPr id="43" name="等腰三角形 42"/>
+              <p:cNvSpPr/>
+              <p:nvPr/>
+            </p:nvSpPr>
+            <p:spPr>
+              <a:xfrm flipV="1">
+                <a:off x="15787609" y="7030486"/>
+                <a:ext cx="2054628" cy="1771730"/>
+              </a:xfrm>
+              <a:prstGeom prst="triangle">
+                <a:avLst/>
+              </a:prstGeom>
+              <a:solidFill>
+                <a:srgbClr val="0000FF"/>
+              </a:solidFill>
+              <a:ln>
                 <a:solidFill>
                   <a:srgbClr val="0000FF"/>
                 </a:solidFill>
-                <a:ln>
-                  <a:solidFill>
-                    <a:srgbClr val="0000FF"/>
-                  </a:solidFill>
-                </a:ln>
-              </p:spPr>
-              <p:style>
-                <a:lnRef idx="2">
-                  <a:schemeClr val="accent1">
-                    <a:shade val="50000"/>
-                  </a:schemeClr>
-                </a:lnRef>
-                <a:fillRef idx="1">
-                  <a:schemeClr val="accent1"/>
-                </a:fillRef>
-                <a:effectRef idx="0">
-                  <a:schemeClr val="accent1"/>
-                </a:effectRef>
-                <a:fontRef idx="minor">
-                  <a:schemeClr val="lt1"/>
-                </a:fontRef>
-              </p:style>
-              <p:txBody>
-                <a:bodyPr anchor="ctr"/>
-                <a:lstStyle/>
-                <a:p>
-                  <a:pPr algn="ctr">
-                    <a:defRPr/>
-                  </a:pPr>
-                  <a:endParaRPr lang="zh-CN" altLang="en-US"/>
-                </a:p>
-              </p:txBody>
-            </p:sp>
-            <p:sp>
-              <p:nvSpPr>
-                <p:cNvPr id="42" name="等腰三角形 41"/>
-                <p:cNvSpPr/>
-                <p:nvPr/>
-              </p:nvSpPr>
-              <p:spPr>
-                <a:xfrm rot="1800000" flipH="1">
-                  <a:off x="14226793" y="4650553"/>
-                  <a:ext cx="2054634" cy="1780542"/>
-                </a:xfrm>
-                <a:prstGeom prst="triangle">
-                  <a:avLst/>
-                </a:prstGeom>
-                <a:solidFill>
-                  <a:srgbClr val="FF0000"/>
-                </a:solidFill>
-                <a:ln>
-                  <a:solidFill>
-                    <a:srgbClr val="FF0000"/>
-                  </a:solidFill>
-                </a:ln>
-              </p:spPr>
-              <p:style>
-                <a:lnRef idx="2">
-                  <a:schemeClr val="accent1">
-                    <a:shade val="50000"/>
-                  </a:schemeClr>
-                </a:lnRef>
-                <a:fillRef idx="1">
-                  <a:schemeClr val="accent1"/>
-                </a:fillRef>
-                <a:effectRef idx="0">
-                  <a:schemeClr val="accent1"/>
-                </a:effectRef>
-                <a:fontRef idx="minor">
-                  <a:schemeClr val="lt1"/>
-                </a:fontRef>
-              </p:style>
-              <p:txBody>
-                <a:bodyPr anchor="ctr"/>
-                <a:lstStyle/>
-                <a:p>
-                  <a:pPr algn="ctr">
-                    <a:defRPr/>
-                  </a:pPr>
-                  <a:endParaRPr lang="zh-CN" altLang="en-US"/>
-                </a:p>
-              </p:txBody>
-            </p:sp>
-            <p:sp>
-              <p:nvSpPr>
-                <p:cNvPr id="43" name="等腰三角形 42"/>
-                <p:cNvSpPr/>
-                <p:nvPr/>
-              </p:nvSpPr>
-              <p:spPr>
-                <a:xfrm flipV="1">
-                  <a:off x="15787609" y="7030486"/>
-                  <a:ext cx="2054628" cy="1771730"/>
-                </a:xfrm>
-                <a:prstGeom prst="triangle">
-                  <a:avLst/>
-                </a:prstGeom>
-                <a:solidFill>
-                  <a:srgbClr val="0000FF"/>
-                </a:solidFill>
-                <a:ln>
-                  <a:solidFill>
-                    <a:srgbClr val="0000FF"/>
-                  </a:solidFill>
-                </a:ln>
-              </p:spPr>
-              <p:style>
-                <a:lnRef idx="2">
-                  <a:schemeClr val="accent1">
-                    <a:shade val="50000"/>
-                  </a:schemeClr>
-                </a:lnRef>
-                <a:fillRef idx="1">
-                  <a:schemeClr val="accent1"/>
-                </a:fillRef>
-                <a:effectRef idx="0">
-                  <a:schemeClr val="accent1"/>
-                </a:effectRef>
-                <a:fontRef idx="minor">
-                  <a:schemeClr val="lt1"/>
-                </a:fontRef>
-              </p:style>
-              <p:txBody>
-                <a:bodyPr anchor="ctr"/>
-                <a:lstStyle/>
-                <a:p>
-                  <a:pPr algn="ctr">
-                    <a:defRPr/>
-                  </a:pPr>
-                  <a:endParaRPr lang="zh-CN" altLang="en-US"/>
-                </a:p>
-              </p:txBody>
-            </p:sp>
-          </p:grpSp>
+              </a:ln>
+            </p:spPr>
+            <p:style>
+              <a:lnRef idx="2">
+                <a:schemeClr val="accent1">
+                  <a:shade val="50000"/>
+                </a:schemeClr>
+              </a:lnRef>
+              <a:fillRef idx="1">
+                <a:schemeClr val="accent1"/>
+              </a:fillRef>
+              <a:effectRef idx="0">
+                <a:schemeClr val="accent1"/>
+              </a:effectRef>
+              <a:fontRef idx="minor">
+                <a:schemeClr val="lt1"/>
+              </a:fontRef>
+            </p:style>
+            <p:txBody>
+              <a:bodyPr anchor="ctr"/>
+              <a:lstStyle/>
+              <a:p>
+                <a:pPr algn="ctr">
+                  <a:defRPr/>
+                </a:pPr>
+                <a:endParaRPr lang="zh-CN" altLang="en-US"/>
+              </a:p>
+            </p:txBody>
+          </p:sp>
         </p:grpSp>
-        <p:pic>
-          <p:nvPicPr>
-            <p:cNvPr id="47" name="Picture 17" descr="Screenshot from 2014-09-01 20:23:00.png"/>
-            <p:cNvPicPr>
-              <a:picLocks noChangeAspect="1" noChangeArrowheads="1"/>
-            </p:cNvPicPr>
-            <p:nvPr/>
-          </p:nvPicPr>
-          <p:blipFill rotWithShape="1">
-            <a:blip r:embed="rId5">
-              <a:extLst>
-                <a:ext uri="{28A0092B-C50C-407E-A947-70E740481C1C}">
-                  <a14:useLocalDpi xmlns:a14="http://schemas.microsoft.com/office/drawing/2010/main" val="0"/>
-                </a:ext>
-              </a:extLst>
-            </a:blip>
-            <a:srcRect l="55559" t="28201" r="13101" b="29923"/>
-            <a:stretch/>
-          </p:blipFill>
-          <p:spPr bwMode="auto">
-            <a:xfrm>
-              <a:off x="-8592963" y="-10529192"/>
-              <a:ext cx="5445355" cy="4838443"/>
-            </a:xfrm>
-            <a:prstGeom prst="rect">
-              <a:avLst/>
-            </a:prstGeom>
-            <a:noFill/>
-            <a:ln>
-              <a:noFill/>
-            </a:ln>
+      </p:grpSp>
+      <p:pic>
+        <p:nvPicPr>
+          <p:cNvPr id="47" name="Picture 17" descr="Screenshot from 2014-09-01 20:23:00.png"/>
+          <p:cNvPicPr>
+            <a:picLocks noChangeAspect="1" noChangeArrowheads="1"/>
+          </p:cNvPicPr>
+          <p:nvPr/>
+        </p:nvPicPr>
+        <p:blipFill rotWithShape="1">
+          <a:blip r:embed="rId5">
             <a:extLst>
-              <a:ext uri="{909E8E84-426E-40DD-AFC4-6F175D3DCCD1}">
-                <a14:hiddenFill xmlns:a14="http://schemas.microsoft.com/office/drawing/2010/main">
-                  <a:solidFill>
-                    <a:srgbClr val="FFFFFF"/>
-                  </a:solidFill>
-                </a14:hiddenFill>
-              </a:ext>
-              <a:ext uri="{91240B29-F687-4F45-9708-019B960494DF}">
-                <a14:hiddenLine xmlns:a14="http://schemas.microsoft.com/office/drawing/2010/main" w="9525">
-                  <a:solidFill>
-                    <a:srgbClr val="000000"/>
-                  </a:solidFill>
-                  <a:miter lim="800000"/>
-                  <a:headEnd/>
-                  <a:tailEnd/>
-                </a14:hiddenLine>
+              <a:ext uri="{28A0092B-C50C-407E-A947-70E740481C1C}">
+                <a14:useLocalDpi xmlns:a14="http://schemas.microsoft.com/office/drawing/2010/main" val="0"/>
               </a:ext>
             </a:extLst>
-          </p:spPr>
-        </p:pic>
-        <p:sp>
-          <p:nvSpPr>
-            <p:cNvPr id="2053" name="TextBox 26"/>
-            <p:cNvSpPr txBox="1">
-              <a:spLocks noChangeArrowheads="1"/>
-            </p:cNvSpPr>
-            <p:nvPr/>
-          </p:nvSpPr>
-          <p:spPr bwMode="auto">
-            <a:xfrm>
-              <a:off x="-8677472" y="-6700143"/>
-              <a:ext cx="754063" cy="1200151"/>
-            </a:xfrm>
-            <a:prstGeom prst="rect">
-              <a:avLst/>
-            </a:prstGeom>
+          </a:blip>
+          <a:srcRect l="55559" t="28201" r="13101" b="29923"/>
+          <a:stretch/>
+        </p:blipFill>
+        <p:spPr bwMode="auto">
+          <a:xfrm>
+            <a:off x="-8592963" y="-10529192"/>
+            <a:ext cx="5445355" cy="4838443"/>
+          </a:xfrm>
+          <a:prstGeom prst="rect">
+            <a:avLst/>
+          </a:prstGeom>
+          <a:noFill/>
+          <a:ln>
             <a:noFill/>
-            <a:ln>
-              <a:noFill/>
-            </a:ln>
-            <a:extLst>
-              <a:ext uri="{909E8E84-426E-40DD-AFC4-6F175D3DCCD1}">
-                <a14:hiddenFill xmlns:a14="http://schemas.microsoft.com/office/drawing/2010/main">
-                  <a:solidFill>
-                    <a:srgbClr val="FFFFFF"/>
-                  </a:solidFill>
-                </a14:hiddenFill>
-              </a:ext>
-              <a:ext uri="{91240B29-F687-4F45-9708-019B960494DF}">
-                <a14:hiddenLine xmlns:a14="http://schemas.microsoft.com/office/drawing/2010/main" w="9525">
-                  <a:solidFill>
-                    <a:srgbClr val="000000"/>
-                  </a:solidFill>
-                  <a:miter lim="800000"/>
-                  <a:headEnd/>
-                  <a:tailEnd/>
-                </a14:hiddenLine>
-              </a:ext>
-            </a:extLst>
-          </p:spPr>
-          <p:txBody>
-            <a:bodyPr>
-              <a:spAutoFit/>
-            </a:bodyPr>
-            <a:lstStyle>
-              <a:lvl1pPr eaLnBrk="0" hangingPunct="0">
-                <a:defRPr>
-                  <a:solidFill>
-                    <a:schemeClr val="tx1"/>
-                  </a:solidFill>
-                  <a:latin typeface="Arial" charset="0"/>
-                  <a:ea typeface="宋体" pitchFamily="2" charset="-122"/>
-                </a:defRPr>
-              </a:lvl1pPr>
-              <a:lvl2pPr marL="742950" indent="-285750" eaLnBrk="0" hangingPunct="0">
-                <a:defRPr>
-                  <a:solidFill>
-                    <a:schemeClr val="tx1"/>
-                  </a:solidFill>
-                  <a:latin typeface="Arial" charset="0"/>
-                  <a:ea typeface="宋体" pitchFamily="2" charset="-122"/>
-                </a:defRPr>
-              </a:lvl2pPr>
-              <a:lvl3pPr marL="1143000" indent="-228600" eaLnBrk="0" hangingPunct="0">
-                <a:defRPr>
-                  <a:solidFill>
-                    <a:schemeClr val="tx1"/>
-                  </a:solidFill>
-                  <a:latin typeface="Arial" charset="0"/>
-                  <a:ea typeface="宋体" pitchFamily="2" charset="-122"/>
-                </a:defRPr>
-              </a:lvl3pPr>
-              <a:lvl4pPr marL="1600200" indent="-228600" eaLnBrk="0" hangingPunct="0">
-                <a:defRPr>
-                  <a:solidFill>
-                    <a:schemeClr val="tx1"/>
-                  </a:solidFill>
-                  <a:latin typeface="Arial" charset="0"/>
-                  <a:ea typeface="宋体" pitchFamily="2" charset="-122"/>
-                </a:defRPr>
-              </a:lvl4pPr>
-              <a:lvl5pPr marL="2057400" indent="-228600" eaLnBrk="0" hangingPunct="0">
-                <a:defRPr>
-                  <a:solidFill>
-                    <a:schemeClr val="tx1"/>
-                  </a:solidFill>
-                  <a:latin typeface="Arial" charset="0"/>
-                  <a:ea typeface="宋体" pitchFamily="2" charset="-122"/>
-                </a:defRPr>
-              </a:lvl5pPr>
-              <a:lvl6pPr marL="2514600" indent="-228600" eaLnBrk="0" fontAlgn="base" hangingPunct="0">
-                <a:spcBef>
-                  <a:spcPct val="0"/>
-                </a:spcBef>
-                <a:spcAft>
-                  <a:spcPct val="0"/>
-                </a:spcAft>
-                <a:defRPr>
-                  <a:solidFill>
-                    <a:schemeClr val="tx1"/>
-                  </a:solidFill>
-                  <a:latin typeface="Arial" charset="0"/>
-                  <a:ea typeface="宋体" pitchFamily="2" charset="-122"/>
-                </a:defRPr>
-              </a:lvl6pPr>
-              <a:lvl7pPr marL="2971800" indent="-228600" eaLnBrk="0" fontAlgn="base" hangingPunct="0">
-                <a:spcBef>
-                  <a:spcPct val="0"/>
-                </a:spcBef>
-                <a:spcAft>
-                  <a:spcPct val="0"/>
-                </a:spcAft>
-                <a:defRPr>
-                  <a:solidFill>
-                    <a:schemeClr val="tx1"/>
-                  </a:solidFill>
-                  <a:latin typeface="Arial" charset="0"/>
-                  <a:ea typeface="宋体" pitchFamily="2" charset="-122"/>
-                </a:defRPr>
-              </a:lvl7pPr>
-              <a:lvl8pPr marL="3429000" indent="-228600" eaLnBrk="0" fontAlgn="base" hangingPunct="0">
-                <a:spcBef>
-                  <a:spcPct val="0"/>
-                </a:spcBef>
-                <a:spcAft>
-                  <a:spcPct val="0"/>
-                </a:spcAft>
-                <a:defRPr>
-                  <a:solidFill>
-                    <a:schemeClr val="tx1"/>
-                  </a:solidFill>
-                  <a:latin typeface="Arial" charset="0"/>
-                  <a:ea typeface="宋体" pitchFamily="2" charset="-122"/>
-                </a:defRPr>
-              </a:lvl8pPr>
-              <a:lvl9pPr marL="3886200" indent="-228600" eaLnBrk="0" fontAlgn="base" hangingPunct="0">
-                <a:spcBef>
-                  <a:spcPct val="0"/>
-                </a:spcBef>
-                <a:spcAft>
-                  <a:spcPct val="0"/>
-                </a:spcAft>
-                <a:defRPr>
-                  <a:solidFill>
-                    <a:schemeClr val="tx1"/>
-                  </a:solidFill>
-                  <a:latin typeface="Arial" charset="0"/>
-                  <a:ea typeface="宋体" pitchFamily="2" charset="-122"/>
-                </a:defRPr>
-              </a:lvl9pPr>
-            </a:lstStyle>
-            <a:p>
-              <a:pPr eaLnBrk="1" hangingPunct="1"/>
-              <a:r>
-                <a:rPr lang="en-US" altLang="zh-CN" sz="7200" b="1" dirty="0">
-                  <a:solidFill>
-                    <a:schemeClr val="bg1"/>
-                  </a:solidFill>
-                </a:rPr>
-                <a:t>a</a:t>
-              </a:r>
-              <a:endParaRPr lang="zh-CN" altLang="en-US" sz="7200" b="1" dirty="0">
+          </a:ln>
+          <a:extLst>
+            <a:ext uri="{909E8E84-426E-40DD-AFC4-6F175D3DCCD1}">
+              <a14:hiddenFill xmlns:a14="http://schemas.microsoft.com/office/drawing/2010/main">
+                <a:solidFill>
+                  <a:srgbClr val="FFFFFF"/>
+                </a:solidFill>
+              </a14:hiddenFill>
+            </a:ext>
+            <a:ext uri="{91240B29-F687-4F45-9708-019B960494DF}">
+              <a14:hiddenLine xmlns:a14="http://schemas.microsoft.com/office/drawing/2010/main" w="9525">
+                <a:solidFill>
+                  <a:srgbClr val="000000"/>
+                </a:solidFill>
+                <a:miter lim="800000"/>
+                <a:headEnd/>
+                <a:tailEnd/>
+              </a14:hiddenLine>
+            </a:ext>
+          </a:extLst>
+        </p:spPr>
+      </p:pic>
+      <p:sp>
+        <p:nvSpPr>
+          <p:cNvPr id="2053" name="TextBox 26"/>
+          <p:cNvSpPr txBox="1">
+            <a:spLocks noChangeArrowheads="1"/>
+          </p:cNvSpPr>
+          <p:nvPr/>
+        </p:nvSpPr>
+        <p:spPr bwMode="auto">
+          <a:xfrm>
+            <a:off x="-8677472" y="-6700143"/>
+            <a:ext cx="754063" cy="1200151"/>
+          </a:xfrm>
+          <a:prstGeom prst="rect">
+            <a:avLst/>
+          </a:prstGeom>
+          <a:noFill/>
+          <a:ln>
+            <a:noFill/>
+          </a:ln>
+          <a:extLst>
+            <a:ext uri="{909E8E84-426E-40DD-AFC4-6F175D3DCCD1}">
+              <a14:hiddenFill xmlns:a14="http://schemas.microsoft.com/office/drawing/2010/main">
+                <a:solidFill>
+                  <a:srgbClr val="FFFFFF"/>
+                </a:solidFill>
+              </a14:hiddenFill>
+            </a:ext>
+            <a:ext uri="{91240B29-F687-4F45-9708-019B960494DF}">
+              <a14:hiddenLine xmlns:a14="http://schemas.microsoft.com/office/drawing/2010/main" w="9525">
+                <a:solidFill>
+                  <a:srgbClr val="000000"/>
+                </a:solidFill>
+                <a:miter lim="800000"/>
+                <a:headEnd/>
+                <a:tailEnd/>
+              </a14:hiddenLine>
+            </a:ext>
+          </a:extLst>
+        </p:spPr>
+        <p:txBody>
+          <a:bodyPr>
+            <a:spAutoFit/>
+          </a:bodyPr>
+          <a:lstStyle>
+            <a:lvl1pPr eaLnBrk="0" hangingPunct="0">
+              <a:defRPr>
+                <a:solidFill>
+                  <a:schemeClr val="tx1"/>
+                </a:solidFill>
+                <a:latin typeface="Arial" charset="0"/>
+                <a:ea typeface="宋体" pitchFamily="2" charset="-122"/>
+              </a:defRPr>
+            </a:lvl1pPr>
+            <a:lvl2pPr marL="742950" indent="-285750" eaLnBrk="0" hangingPunct="0">
+              <a:defRPr>
+                <a:solidFill>
+                  <a:schemeClr val="tx1"/>
+                </a:solidFill>
+                <a:latin typeface="Arial" charset="0"/>
+                <a:ea typeface="宋体" pitchFamily="2" charset="-122"/>
+              </a:defRPr>
+            </a:lvl2pPr>
+            <a:lvl3pPr marL="1143000" indent="-228600" eaLnBrk="0" hangingPunct="0">
+              <a:defRPr>
+                <a:solidFill>
+                  <a:schemeClr val="tx1"/>
+                </a:solidFill>
+                <a:latin typeface="Arial" charset="0"/>
+                <a:ea typeface="宋体" pitchFamily="2" charset="-122"/>
+              </a:defRPr>
+            </a:lvl3pPr>
+            <a:lvl4pPr marL="1600200" indent="-228600" eaLnBrk="0" hangingPunct="0">
+              <a:defRPr>
+                <a:solidFill>
+                  <a:schemeClr val="tx1"/>
+                </a:solidFill>
+                <a:latin typeface="Arial" charset="0"/>
+                <a:ea typeface="宋体" pitchFamily="2" charset="-122"/>
+              </a:defRPr>
+            </a:lvl4pPr>
+            <a:lvl5pPr marL="2057400" indent="-228600" eaLnBrk="0" hangingPunct="0">
+              <a:defRPr>
+                <a:solidFill>
+                  <a:schemeClr val="tx1"/>
+                </a:solidFill>
+                <a:latin typeface="Arial" charset="0"/>
+                <a:ea typeface="宋体" pitchFamily="2" charset="-122"/>
+              </a:defRPr>
+            </a:lvl5pPr>
+            <a:lvl6pPr marL="2514600" indent="-228600" eaLnBrk="0" fontAlgn="base" hangingPunct="0">
+              <a:spcBef>
+                <a:spcPct val="0"/>
+              </a:spcBef>
+              <a:spcAft>
+                <a:spcPct val="0"/>
+              </a:spcAft>
+              <a:defRPr>
+                <a:solidFill>
+                  <a:schemeClr val="tx1"/>
+                </a:solidFill>
+                <a:latin typeface="Arial" charset="0"/>
+                <a:ea typeface="宋体" pitchFamily="2" charset="-122"/>
+              </a:defRPr>
+            </a:lvl6pPr>
+            <a:lvl7pPr marL="2971800" indent="-228600" eaLnBrk="0" fontAlgn="base" hangingPunct="0">
+              <a:spcBef>
+                <a:spcPct val="0"/>
+              </a:spcBef>
+              <a:spcAft>
+                <a:spcPct val="0"/>
+              </a:spcAft>
+              <a:defRPr>
+                <a:solidFill>
+                  <a:schemeClr val="tx1"/>
+                </a:solidFill>
+                <a:latin typeface="Arial" charset="0"/>
+                <a:ea typeface="宋体" pitchFamily="2" charset="-122"/>
+              </a:defRPr>
+            </a:lvl7pPr>
+            <a:lvl8pPr marL="3429000" indent="-228600" eaLnBrk="0" fontAlgn="base" hangingPunct="0">
+              <a:spcBef>
+                <a:spcPct val="0"/>
+              </a:spcBef>
+              <a:spcAft>
+                <a:spcPct val="0"/>
+              </a:spcAft>
+              <a:defRPr>
+                <a:solidFill>
+                  <a:schemeClr val="tx1"/>
+                </a:solidFill>
+                <a:latin typeface="Arial" charset="0"/>
+                <a:ea typeface="宋体" pitchFamily="2" charset="-122"/>
+              </a:defRPr>
+            </a:lvl8pPr>
+            <a:lvl9pPr marL="3886200" indent="-228600" eaLnBrk="0" fontAlgn="base" hangingPunct="0">
+              <a:spcBef>
+                <a:spcPct val="0"/>
+              </a:spcBef>
+              <a:spcAft>
+                <a:spcPct val="0"/>
+              </a:spcAft>
+              <a:defRPr>
+                <a:solidFill>
+                  <a:schemeClr val="tx1"/>
+                </a:solidFill>
+                <a:latin typeface="Arial" charset="0"/>
+                <a:ea typeface="宋体" pitchFamily="2" charset="-122"/>
+              </a:defRPr>
+            </a:lvl9pPr>
+          </a:lstStyle>
+          <a:p>
+            <a:pPr eaLnBrk="1" hangingPunct="1"/>
+            <a:r>
+              <a:rPr lang="en-US" altLang="zh-CN" sz="7200" b="1" dirty="0">
                 <a:solidFill>
                   <a:schemeClr val="bg1"/>
                 </a:solidFill>
-              </a:endParaRPr>
-            </a:p>
-          </p:txBody>
-        </p:sp>
-      </p:grpSp>
+              </a:rPr>
+              <a:t>a</a:t>
+            </a:r>
+            <a:endParaRPr lang="zh-CN" altLang="en-US" sz="7200" b="1" dirty="0">
+              <a:solidFill>
+                <a:schemeClr val="bg1"/>
+              </a:solidFill>
+            </a:endParaRPr>
+          </a:p>
+        </p:txBody>
+      </p:sp>
       <p:grpSp>
         <p:nvGrpSpPr>
           <p:cNvPr id="17" name="组合 16"/>
